--- a/復活.pptx
+++ b/復活.pptx
@@ -5,9 +5,18 @@
     <p:sldMasterId id="2147483660" r:id="rId1"/>
   </p:sldMasterIdLst>
   <p:sldIdLst>
-    <p:sldId id="257" r:id="rId2"/>
-    <p:sldId id="258" r:id="rId3"/>
-    <p:sldId id="259" r:id="rId4"/>
+    <p:sldId id="260" r:id="rId2"/>
+    <p:sldId id="261" r:id="rId3"/>
+    <p:sldId id="262" r:id="rId4"/>
+    <p:sldId id="263" r:id="rId5"/>
+    <p:sldId id="264" r:id="rId6"/>
+    <p:sldId id="265" r:id="rId7"/>
+    <p:sldId id="266" r:id="rId8"/>
+    <p:sldId id="267" r:id="rId9"/>
+    <p:sldId id="268" r:id="rId10"/>
+    <p:sldId id="269" r:id="rId11"/>
+    <p:sldId id="270" r:id="rId12"/>
+    <p:sldId id="271" r:id="rId13"/>
   </p:sldIdLst>
   <p:sldSz cx="12192000" cy="6858000"/>
   <p:notesSz cx="6858000" cy="9144000"/>
@@ -106,6 +115,11 @@
       </a:defRPr>
     </a:lvl9pPr>
   </p:defaultTextStyle>
+  <p:extLst>
+    <p:ext uri="{EFAFB233-063F-42B5-8137-9DF3F51BA10A}">
+      <p15:sldGuideLst xmlns:p15="http://schemas.microsoft.com/office/powerpoint/2012/main"/>
+    </p:ext>
+  </p:extLst>
 </p:presentation>
 </file>
 
@@ -290,7 +304,7 @@
           <a:p>
             <a:fld id="{4C72F7B0-BCBE-4243-85F2-D9242D62680A}" type="datetimeFigureOut">
               <a:rPr lang="vi-VN" smtClean="0"/>
-              <a:t>18/04/2020</a:t>
+              <a:t>08/04/2023</a:t>
             </a:fld>
             <a:endParaRPr lang="vi-VN"/>
           </a:p>
@@ -460,7 +474,7 @@
           <a:p>
             <a:fld id="{4C72F7B0-BCBE-4243-85F2-D9242D62680A}" type="datetimeFigureOut">
               <a:rPr lang="vi-VN" smtClean="0"/>
-              <a:t>18/04/2020</a:t>
+              <a:t>08/04/2023</a:t>
             </a:fld>
             <a:endParaRPr lang="vi-VN"/>
           </a:p>
@@ -640,7 +654,7 @@
           <a:p>
             <a:fld id="{4C72F7B0-BCBE-4243-85F2-D9242D62680A}" type="datetimeFigureOut">
               <a:rPr lang="vi-VN" smtClean="0"/>
-              <a:t>18/04/2020</a:t>
+              <a:t>08/04/2023</a:t>
             </a:fld>
             <a:endParaRPr lang="vi-VN"/>
           </a:p>
@@ -810,7 +824,7 @@
           <a:p>
             <a:fld id="{4C72F7B0-BCBE-4243-85F2-D9242D62680A}" type="datetimeFigureOut">
               <a:rPr lang="vi-VN" smtClean="0"/>
-              <a:t>18/04/2020</a:t>
+              <a:t>08/04/2023</a:t>
             </a:fld>
             <a:endParaRPr lang="vi-VN"/>
           </a:p>
@@ -1056,7 +1070,7 @@
           <a:p>
             <a:fld id="{4C72F7B0-BCBE-4243-85F2-D9242D62680A}" type="datetimeFigureOut">
               <a:rPr lang="vi-VN" smtClean="0"/>
-              <a:t>18/04/2020</a:t>
+              <a:t>08/04/2023</a:t>
             </a:fld>
             <a:endParaRPr lang="vi-VN"/>
           </a:p>
@@ -1344,7 +1358,7 @@
           <a:p>
             <a:fld id="{4C72F7B0-BCBE-4243-85F2-D9242D62680A}" type="datetimeFigureOut">
               <a:rPr lang="vi-VN" smtClean="0"/>
-              <a:t>18/04/2020</a:t>
+              <a:t>08/04/2023</a:t>
             </a:fld>
             <a:endParaRPr lang="vi-VN"/>
           </a:p>
@@ -1766,7 +1780,7 @@
           <a:p>
             <a:fld id="{4C72F7B0-BCBE-4243-85F2-D9242D62680A}" type="datetimeFigureOut">
               <a:rPr lang="vi-VN" smtClean="0"/>
-              <a:t>18/04/2020</a:t>
+              <a:t>08/04/2023</a:t>
             </a:fld>
             <a:endParaRPr lang="vi-VN"/>
           </a:p>
@@ -1884,7 +1898,7 @@
           <a:p>
             <a:fld id="{4C72F7B0-BCBE-4243-85F2-D9242D62680A}" type="datetimeFigureOut">
               <a:rPr lang="vi-VN" smtClean="0"/>
-              <a:t>18/04/2020</a:t>
+              <a:t>08/04/2023</a:t>
             </a:fld>
             <a:endParaRPr lang="vi-VN"/>
           </a:p>
@@ -1979,7 +1993,7 @@
           <a:p>
             <a:fld id="{4C72F7B0-BCBE-4243-85F2-D9242D62680A}" type="datetimeFigureOut">
               <a:rPr lang="vi-VN" smtClean="0"/>
-              <a:t>18/04/2020</a:t>
+              <a:t>08/04/2023</a:t>
             </a:fld>
             <a:endParaRPr lang="vi-VN"/>
           </a:p>
@@ -2256,7 +2270,7 @@
           <a:p>
             <a:fld id="{4C72F7B0-BCBE-4243-85F2-D9242D62680A}" type="datetimeFigureOut">
               <a:rPr lang="vi-VN" smtClean="0"/>
-              <a:t>18/04/2020</a:t>
+              <a:t>08/04/2023</a:t>
             </a:fld>
             <a:endParaRPr lang="vi-VN"/>
           </a:p>
@@ -2513,7 +2527,7 @@
           <a:p>
             <a:fld id="{4C72F7B0-BCBE-4243-85F2-D9242D62680A}" type="datetimeFigureOut">
               <a:rPr lang="vi-VN" smtClean="0"/>
-              <a:t>18/04/2020</a:t>
+              <a:t>08/04/2023</a:t>
             </a:fld>
             <a:endParaRPr lang="vi-VN"/>
           </a:p>
@@ -2731,7 +2745,7 @@
           <a:p>
             <a:fld id="{4C72F7B0-BCBE-4243-85F2-D9242D62680A}" type="datetimeFigureOut">
               <a:rPr lang="vi-VN" smtClean="0"/>
-              <a:t>18/04/2020</a:t>
+              <a:t>08/04/2023</a:t>
             </a:fld>
             <a:endParaRPr lang="vi-VN"/>
           </a:p>
@@ -3108,196 +3122,73 @@
       </p:grpSpPr>
       <p:sp>
         <p:nvSpPr>
-          <p:cNvPr id="2" name="Title 1"/>
+          <p:cNvPr id="4" name="標題 3"/>
           <p:cNvSpPr>
             <a:spLocks noGrp="1"/>
           </p:cNvSpPr>
           <p:nvPr>
             <p:ph type="title"/>
-          </p:nvPr>
-        </p:nvSpPr>
-        <p:spPr/>
-        <p:txBody>
-          <a:bodyPr>
-            <a:normAutofit/>
-          </a:bodyPr>
-          <a:lstStyle/>
-          <a:p>
-            <a:pPr algn="ctr"/>
-            <a:r>
-              <a:rPr lang="zh-CN" altLang="en-US" sz="4800" b="1" dirty="0">
-                <a:latin typeface="Microsoft JhengHei" panose="020B0604030504040204" pitchFamily="34" charset="-120"/>
-                <a:ea typeface="Microsoft JhengHei" panose="020B0604030504040204" pitchFamily="34" charset="-120"/>
-              </a:rPr>
-              <a:t>復活</a:t>
-            </a:r>
-            <a:endParaRPr lang="vi-VN" sz="4800" b="1" dirty="0">
-              <a:ea typeface="Microsoft JhengHei" panose="020B0604030504040204" pitchFamily="34" charset="-120"/>
-            </a:endParaRPr>
-          </a:p>
-        </p:txBody>
-      </p:sp>
-      <p:sp>
-        <p:nvSpPr>
-          <p:cNvPr id="3" name="Content Placeholder 2"/>
-          <p:cNvSpPr>
-            <a:spLocks noGrp="1"/>
-          </p:cNvSpPr>
-          <p:nvPr>
-            <p:ph idx="1"/>
           </p:nvPr>
         </p:nvSpPr>
         <p:spPr>
           <a:xfrm>
-            <a:off x="0" y="1825625"/>
-            <a:ext cx="12192000" cy="4351338"/>
+            <a:off x="0" y="2660915"/>
+            <a:ext cx="12192000" cy="1143000"/>
           </a:xfrm>
         </p:spPr>
         <p:txBody>
           <a:bodyPr>
-            <a:normAutofit/>
+            <a:noAutofit/>
           </a:bodyPr>
           <a:lstStyle/>
           <a:p>
-            <a:pPr marL="0" indent="0" algn="ctr">
-              <a:buNone/>
-            </a:pPr>
-            <a:r>
-              <a:rPr lang="zh-TW" altLang="en-US" sz="5400" b="1" dirty="0">
-                <a:latin typeface="Microsoft JhengHei" panose="020B0604030504040204" pitchFamily="34" charset="-120"/>
-                <a:ea typeface="Microsoft JhengHei" panose="020B0604030504040204" pitchFamily="34" charset="-120"/>
-              </a:rPr>
-              <a:t>十</a:t>
-            </a:r>
-            <a:r>
-              <a:rPr lang="zh-TW" altLang="en-US" sz="5400" b="1" dirty="0" smtClean="0">
-                <a:latin typeface="Microsoft JhengHei" panose="020B0604030504040204" pitchFamily="34" charset="-120"/>
-                <a:ea typeface="Microsoft JhengHei" panose="020B0604030504040204" pitchFamily="34" charset="-120"/>
-              </a:rPr>
-              <a:t>架  各</a:t>
-            </a:r>
-            <a:r>
-              <a:rPr lang="zh-TW" altLang="en-US" sz="5400" b="1" dirty="0">
-                <a:latin typeface="Microsoft JhengHei" panose="020B0604030504040204" pitchFamily="34" charset="-120"/>
-                <a:ea typeface="Microsoft JhengHei" panose="020B0604030504040204" pitchFamily="34" charset="-120"/>
-              </a:rPr>
-              <a:t>各</a:t>
-            </a:r>
-            <a:r>
-              <a:rPr lang="zh-TW" altLang="en-US" sz="5400" b="1" dirty="0" smtClean="0">
-                <a:latin typeface="Microsoft JhengHei" panose="020B0604030504040204" pitchFamily="34" charset="-120"/>
-                <a:ea typeface="Microsoft JhengHei" panose="020B0604030504040204" pitchFamily="34" charset="-120"/>
-              </a:rPr>
-              <a:t>他  主</a:t>
-            </a:r>
-            <a:r>
-              <a:rPr lang="zh-TW" altLang="en-US" sz="5400" b="1" dirty="0">
-                <a:latin typeface="Microsoft JhengHei" panose="020B0604030504040204" pitchFamily="34" charset="-120"/>
-                <a:ea typeface="Microsoft JhengHei" panose="020B0604030504040204" pitchFamily="34" charset="-120"/>
-              </a:rPr>
-              <a:t>寶血為我流</a:t>
-            </a:r>
-            <a:r>
-              <a:rPr lang="zh-TW" altLang="en-US" sz="5400" b="1" dirty="0" smtClean="0">
-                <a:latin typeface="Microsoft JhengHei" panose="020B0604030504040204" pitchFamily="34" charset="-120"/>
-                <a:ea typeface="Microsoft JhengHei" panose="020B0604030504040204" pitchFamily="34" charset="-120"/>
-              </a:rPr>
-              <a:t>下</a:t>
-            </a:r>
-            <a:endParaRPr lang="en-US" altLang="zh-TW" sz="5400" b="1" dirty="0" smtClean="0">
-              <a:latin typeface="Microsoft JhengHei" panose="020B0604030504040204" pitchFamily="34" charset="-120"/>
-              <a:ea typeface="Microsoft JhengHei" panose="020B0604030504040204" pitchFamily="34" charset="-120"/>
-            </a:endParaRPr>
-          </a:p>
-          <a:p>
-            <a:pPr marL="0" indent="0" algn="ctr">
-              <a:buNone/>
-            </a:pPr>
-            <a:r>
-              <a:rPr lang="zh-TW" altLang="en-US" sz="5400" b="1" dirty="0">
-                <a:latin typeface="Microsoft JhengHei" panose="020B0604030504040204" pitchFamily="34" charset="-120"/>
-                <a:ea typeface="Microsoft JhengHei" panose="020B0604030504040204" pitchFamily="34" charset="-120"/>
-              </a:rPr>
-              <a:t>擔當我的過</a:t>
-            </a:r>
-            <a:r>
-              <a:rPr lang="zh-TW" altLang="en-US" sz="5400" b="1" dirty="0" smtClean="0">
-                <a:latin typeface="Microsoft JhengHei" panose="020B0604030504040204" pitchFamily="34" charset="-120"/>
-                <a:ea typeface="Microsoft JhengHei" panose="020B0604030504040204" pitchFamily="34" charset="-120"/>
-              </a:rPr>
-              <a:t>犯  </a:t>
-            </a:r>
-            <a:endParaRPr lang="en-US" altLang="zh-TW" sz="5400" b="1" dirty="0" smtClean="0">
-              <a:latin typeface="Microsoft JhengHei" panose="020B0604030504040204" pitchFamily="34" charset="-120"/>
-              <a:ea typeface="Microsoft JhengHei" panose="020B0604030504040204" pitchFamily="34" charset="-120"/>
-            </a:endParaRPr>
-          </a:p>
-          <a:p>
-            <a:pPr marL="0" indent="0" algn="ctr">
-              <a:buNone/>
-            </a:pPr>
-            <a:r>
-              <a:rPr lang="zh-TW" altLang="en-US" sz="5400" b="1" dirty="0" smtClean="0">
-                <a:latin typeface="Microsoft JhengHei" panose="020B0604030504040204" pitchFamily="34" charset="-120"/>
-                <a:ea typeface="Microsoft JhengHei" panose="020B0604030504040204" pitchFamily="34" charset="-120"/>
-              </a:rPr>
-              <a:t>荊</a:t>
-            </a:r>
-            <a:r>
-              <a:rPr lang="zh-TW" altLang="en-US" sz="5400" b="1" dirty="0">
-                <a:latin typeface="Microsoft JhengHei" panose="020B0604030504040204" pitchFamily="34" charset="-120"/>
-                <a:ea typeface="Microsoft JhengHei" panose="020B0604030504040204" pitchFamily="34" charset="-120"/>
-              </a:rPr>
-              <a:t>棘冠冕祂為我戴</a:t>
-            </a:r>
-            <a:r>
-              <a:rPr lang="zh-TW" altLang="en-US" sz="5400" b="1" dirty="0" smtClean="0">
-                <a:latin typeface="Microsoft JhengHei" panose="020B0604030504040204" pitchFamily="34" charset="-120"/>
-                <a:ea typeface="Microsoft JhengHei" panose="020B0604030504040204" pitchFamily="34" charset="-120"/>
-              </a:rPr>
-              <a:t>上</a:t>
-            </a:r>
-            <a:endParaRPr lang="en-US" altLang="zh-TW" sz="5400" b="1" dirty="0">
-              <a:latin typeface="Microsoft JhengHei" panose="020B0604030504040204" pitchFamily="34" charset="-120"/>
-              <a:ea typeface="Microsoft JhengHei" panose="020B0604030504040204" pitchFamily="34" charset="-120"/>
-            </a:endParaRPr>
-          </a:p>
-          <a:p>
-            <a:pPr marL="0" indent="0" algn="ctr">
-              <a:buNone/>
-            </a:pPr>
-            <a:r>
-              <a:rPr lang="zh-TW" altLang="en-US" sz="5400" b="1" dirty="0" smtClean="0">
-                <a:latin typeface="Microsoft JhengHei" panose="020B0604030504040204" pitchFamily="34" charset="-120"/>
-                <a:ea typeface="Microsoft JhengHei" panose="020B0604030504040204" pitchFamily="34" charset="-120"/>
-              </a:rPr>
-              <a:t>代</a:t>
-            </a:r>
-            <a:r>
-              <a:rPr lang="zh-TW" altLang="en-US" sz="5400" b="1" dirty="0">
-                <a:latin typeface="Microsoft JhengHei" panose="020B0604030504040204" pitchFamily="34" charset="-120"/>
-                <a:ea typeface="Microsoft JhengHei" panose="020B0604030504040204" pitchFamily="34" charset="-120"/>
-              </a:rPr>
-              <a:t>替我成為受死羔</a:t>
-            </a:r>
-            <a:r>
-              <a:rPr lang="zh-TW" altLang="en-US" sz="5400" b="1" dirty="0" smtClean="0">
-                <a:latin typeface="Microsoft JhengHei" panose="020B0604030504040204" pitchFamily="34" charset="-120"/>
-                <a:ea typeface="Microsoft JhengHei" panose="020B0604030504040204" pitchFamily="34" charset="-120"/>
-              </a:rPr>
-              <a:t>羊</a:t>
-            </a:r>
-            <a:endParaRPr lang="en-US" altLang="zh-TW" sz="5400" b="1" dirty="0" smtClean="0">
-              <a:latin typeface="Microsoft JhengHei" panose="020B0604030504040204" pitchFamily="34" charset="-120"/>
-              <a:ea typeface="Microsoft JhengHei" panose="020B0604030504040204" pitchFamily="34" charset="-120"/>
-            </a:endParaRPr>
-          </a:p>
-          <a:p>
-            <a:pPr marL="0" indent="0" algn="ctr">
-              <a:buNone/>
-            </a:pPr>
-            <a:endParaRPr lang="vi-VN" sz="5400" b="1" dirty="0">
-              <a:ea typeface="Microsoft JhengHei" panose="020B0604030504040204" pitchFamily="34" charset="-120"/>
+            <a:r>
+              <a:rPr lang="zh-CN" altLang="en-US" sz="7200" b="1" i="1" dirty="0">
+                <a:solidFill>
+                  <a:srgbClr val="660033"/>
+                </a:solidFill>
+                <a:effectLst>
+                  <a:outerShdw blurRad="38100" dist="38100" dir="2700000" algn="tl">
+                    <a:srgbClr val="000000">
+                      <a:alpha val="43137"/>
+                    </a:srgbClr>
+                  </a:outerShdw>
+                </a:effectLst>
+                <a:latin typeface="微軟正黑體" pitchFamily="34" charset="-120"/>
+                <a:ea typeface="微軟正黑體" pitchFamily="34" charset="-120"/>
+              </a:rPr>
+              <a:t>復</a:t>
+            </a:r>
+            <a:r>
+              <a:rPr lang="zh-CN" altLang="en-US" sz="7200" b="1" i="1" dirty="0">
+                <a:solidFill>
+                  <a:srgbClr val="660033"/>
+                </a:solidFill>
+                <a:effectLst>
+                  <a:outerShdw blurRad="38100" dist="38100" dir="2700000" algn="tl">
+                    <a:srgbClr val="000000">
+                      <a:alpha val="43137"/>
+                    </a:srgbClr>
+                  </a:outerShdw>
+                </a:effectLst>
+                <a:latin typeface="微軟正黑體" pitchFamily="34" charset="-120"/>
+                <a:ea typeface="微軟正黑體" pitchFamily="34" charset="-120"/>
+              </a:rPr>
+              <a:t>活</a:t>
+            </a:r>
+            <a:endParaRPr lang="zh-TW" altLang="en-US" sz="7200" b="1" i="1" dirty="0">
+              <a:solidFill>
+                <a:srgbClr val="660033"/>
+              </a:solidFill>
+              <a:effectLst>
+                <a:outerShdw blurRad="38100" dist="38100" dir="2700000" algn="tl">
+                  <a:srgbClr val="000000">
+                    <a:alpha val="43137"/>
+                  </a:srgbClr>
+                </a:outerShdw>
+              </a:effectLst>
+              <a:latin typeface="微軟正黑體" pitchFamily="34" charset="-120"/>
+              <a:ea typeface="微軟正黑體" pitchFamily="34" charset="-120"/>
             </a:endParaRPr>
           </a:p>
         </p:txBody>
@@ -3305,7 +3196,502 @@
     </p:spTree>
     <p:extLst>
       <p:ext uri="{BB962C8B-B14F-4D97-AF65-F5344CB8AC3E}">
-        <p14:creationId xmlns:p14="http://schemas.microsoft.com/office/powerpoint/2010/main" val="150619452"/>
+        <p14:creationId xmlns:p14="http://schemas.microsoft.com/office/powerpoint/2010/main" val="3878972928"/>
+      </p:ext>
+    </p:extLst>
+  </p:cSld>
+  <p:clrMapOvr>
+    <a:masterClrMapping/>
+  </p:clrMapOvr>
+</p:sld>
+</file>
+
+<file path=ppt/slides/slide10.xml><?xml version="1.0" encoding="utf-8"?>
+<p:sld xmlns:a="http://schemas.openxmlformats.org/drawingml/2006/main" xmlns:r="http://schemas.openxmlformats.org/officeDocument/2006/relationships" xmlns:p="http://schemas.openxmlformats.org/presentationml/2006/main">
+  <p:cSld>
+    <p:spTree>
+      <p:nvGrpSpPr>
+        <p:cNvPr id="1" name=""/>
+        <p:cNvGrpSpPr/>
+        <p:nvPr/>
+      </p:nvGrpSpPr>
+      <p:grpSpPr>
+        <a:xfrm>
+          <a:off x="0" y="0"/>
+          <a:ext cx="0" cy="0"/>
+          <a:chOff x="0" y="0"/>
+          <a:chExt cx="0" cy="0"/>
+        </a:xfrm>
+      </p:grpSpPr>
+      <p:sp>
+        <p:nvSpPr>
+          <p:cNvPr id="5" name="內容版面配置區 4"/>
+          <p:cNvSpPr>
+            <a:spLocks noGrp="1"/>
+          </p:cNvSpPr>
+          <p:nvPr>
+            <p:ph idx="1"/>
+          </p:nvPr>
+        </p:nvSpPr>
+        <p:spPr>
+          <a:xfrm>
+            <a:off x="0" y="2084851"/>
+            <a:ext cx="12192000" cy="2404863"/>
+          </a:xfrm>
+        </p:spPr>
+        <p:txBody>
+          <a:bodyPr anchor="ctr">
+            <a:normAutofit/>
+          </a:bodyPr>
+          <a:lstStyle/>
+          <a:p>
+            <a:pPr marL="0" indent="0" algn="ctr">
+              <a:buNone/>
+            </a:pPr>
+            <a:r>
+              <a:rPr lang="zh-TW" altLang="en-US" sz="6400" b="1" dirty="0">
+                <a:solidFill>
+                  <a:srgbClr val="660033"/>
+                </a:solidFill>
+                <a:latin typeface="微軟正黑體" pitchFamily="34" charset="-120"/>
+                <a:ea typeface="微軟正黑體" pitchFamily="34" charset="-120"/>
+              </a:rPr>
+              <a:t>在祂有救贖盼</a:t>
+            </a:r>
+            <a:r>
+              <a:rPr lang="zh-TW" altLang="en-US" sz="6400" b="1" dirty="0">
+                <a:solidFill>
+                  <a:srgbClr val="660033"/>
+                </a:solidFill>
+                <a:latin typeface="微軟正黑體" pitchFamily="34" charset="-120"/>
+                <a:ea typeface="微軟正黑體" pitchFamily="34" charset="-120"/>
+              </a:rPr>
+              <a:t>望</a:t>
+            </a:r>
+            <a:endParaRPr lang="en-US" altLang="zh-TW" sz="6400" b="1" dirty="0">
+              <a:solidFill>
+                <a:srgbClr val="660033"/>
+              </a:solidFill>
+              <a:latin typeface="微軟正黑體" pitchFamily="34" charset="-120"/>
+              <a:ea typeface="微軟正黑體" pitchFamily="34" charset="-120"/>
+            </a:endParaRPr>
+          </a:p>
+          <a:p>
+            <a:pPr marL="0" indent="0" algn="ctr">
+              <a:buNone/>
+            </a:pPr>
+            <a:r>
+              <a:rPr lang="zh-TW" altLang="en-US" sz="6400" b="1" dirty="0">
+                <a:solidFill>
+                  <a:srgbClr val="660033"/>
+                </a:solidFill>
+                <a:latin typeface="微軟正黑體" pitchFamily="34" charset="-120"/>
+                <a:ea typeface="微軟正黑體" pitchFamily="34" charset="-120"/>
+              </a:rPr>
+              <a:t>祂</a:t>
+            </a:r>
+            <a:r>
+              <a:rPr lang="zh-TW" altLang="en-US" sz="6400" b="1" dirty="0">
+                <a:solidFill>
+                  <a:srgbClr val="660033"/>
+                </a:solidFill>
+                <a:latin typeface="微軟正黑體" pitchFamily="34" charset="-120"/>
+                <a:ea typeface="微軟正黑體" pitchFamily="34" charset="-120"/>
+              </a:rPr>
+              <a:t>已掌權管理萬邦</a:t>
+            </a:r>
+            <a:endParaRPr lang="en-US" altLang="zh-TW" sz="6400" b="1" dirty="0">
+              <a:solidFill>
+                <a:srgbClr val="660033"/>
+              </a:solidFill>
+              <a:latin typeface="微軟正黑體" pitchFamily="34" charset="-120"/>
+              <a:ea typeface="微軟正黑體" pitchFamily="34" charset="-120"/>
+            </a:endParaRPr>
+          </a:p>
+        </p:txBody>
+      </p:sp>
+      <p:sp>
+        <p:nvSpPr>
+          <p:cNvPr id="3" name="TextBox 2"/>
+          <p:cNvSpPr txBox="1"/>
+          <p:nvPr/>
+        </p:nvSpPr>
+        <p:spPr>
+          <a:xfrm>
+            <a:off x="0" y="5157192"/>
+            <a:ext cx="12192000" cy="666786"/>
+          </a:xfrm>
+          <a:prstGeom prst="rect">
+            <a:avLst/>
+          </a:prstGeom>
+          <a:noFill/>
+        </p:spPr>
+        <p:txBody>
+          <a:bodyPr wrap="square" rtlCol="0">
+            <a:spAutoFit/>
+          </a:bodyPr>
+          <a:lstStyle/>
+          <a:p>
+            <a:pPr algn="ctr"/>
+            <a:r>
+              <a:rPr lang="en-US" sz="3733" b="1" dirty="0">
+                <a:solidFill>
+                  <a:srgbClr val="660033"/>
+                </a:solidFill>
+                <a:latin typeface="Microsoft JhengHei" panose="020B0604030504040204" pitchFamily="34" charset="-120"/>
+                <a:ea typeface="Microsoft JhengHei" panose="020B0604030504040204" pitchFamily="34" charset="-120"/>
+              </a:rPr>
+              <a:t>( </a:t>
+            </a:r>
+            <a:r>
+              <a:rPr lang="zh-CN" altLang="en-US" sz="3733" b="1" dirty="0">
+                <a:solidFill>
+                  <a:srgbClr val="660033"/>
+                </a:solidFill>
+                <a:latin typeface="Microsoft JhengHei" panose="020B0604030504040204" pitchFamily="34" charset="-120"/>
+                <a:ea typeface="Microsoft JhengHei" panose="020B0604030504040204" pitchFamily="34" charset="-120"/>
+              </a:rPr>
+              <a:t>副</a:t>
+            </a:r>
+            <a:r>
+              <a:rPr lang="en-US" sz="3733" b="1" dirty="0">
+                <a:solidFill>
+                  <a:srgbClr val="660033"/>
+                </a:solidFill>
+                <a:latin typeface="Microsoft JhengHei" panose="020B0604030504040204" pitchFamily="34" charset="-120"/>
+                <a:ea typeface="Microsoft JhengHei" panose="020B0604030504040204" pitchFamily="34" charset="-120"/>
+              </a:rPr>
+              <a:t> )</a:t>
+            </a:r>
+            <a:endParaRPr lang="vi-VN" sz="3733" b="1" dirty="0">
+              <a:solidFill>
+                <a:srgbClr val="660033"/>
+              </a:solidFill>
+              <a:ea typeface="Microsoft JhengHei" panose="020B0604030504040204" pitchFamily="34" charset="-120"/>
+            </a:endParaRPr>
+          </a:p>
+        </p:txBody>
+      </p:sp>
+    </p:spTree>
+    <p:extLst>
+      <p:ext uri="{BB962C8B-B14F-4D97-AF65-F5344CB8AC3E}">
+        <p14:creationId xmlns:p14="http://schemas.microsoft.com/office/powerpoint/2010/main" val="72556365"/>
+      </p:ext>
+    </p:extLst>
+  </p:cSld>
+  <p:clrMapOvr>
+    <a:masterClrMapping/>
+  </p:clrMapOvr>
+</p:sld>
+</file>
+
+<file path=ppt/slides/slide11.xml><?xml version="1.0" encoding="utf-8"?>
+<p:sld xmlns:a="http://schemas.openxmlformats.org/drawingml/2006/main" xmlns:r="http://schemas.openxmlformats.org/officeDocument/2006/relationships" xmlns:p="http://schemas.openxmlformats.org/presentationml/2006/main">
+  <p:cSld>
+    <p:spTree>
+      <p:nvGrpSpPr>
+        <p:cNvPr id="1" name=""/>
+        <p:cNvGrpSpPr/>
+        <p:nvPr/>
+      </p:nvGrpSpPr>
+      <p:grpSpPr>
+        <a:xfrm>
+          <a:off x="0" y="0"/>
+          <a:ext cx="0" cy="0"/>
+          <a:chOff x="0" y="0"/>
+          <a:chExt cx="0" cy="0"/>
+        </a:xfrm>
+      </p:grpSpPr>
+      <p:sp>
+        <p:nvSpPr>
+          <p:cNvPr id="5" name="內容版面配置區 4"/>
+          <p:cNvSpPr>
+            <a:spLocks noGrp="1"/>
+          </p:cNvSpPr>
+          <p:nvPr>
+            <p:ph idx="1"/>
+          </p:nvPr>
+        </p:nvSpPr>
+        <p:spPr>
+          <a:xfrm>
+            <a:off x="0" y="2084851"/>
+            <a:ext cx="12192000" cy="2404863"/>
+          </a:xfrm>
+        </p:spPr>
+        <p:txBody>
+          <a:bodyPr anchor="ctr">
+            <a:normAutofit/>
+          </a:bodyPr>
+          <a:lstStyle/>
+          <a:p>
+            <a:pPr marL="0" indent="0" algn="ctr">
+              <a:buNone/>
+            </a:pPr>
+            <a:r>
+              <a:rPr lang="zh-TW" altLang="en-US" sz="6400" b="1" dirty="0">
+                <a:solidFill>
+                  <a:srgbClr val="660033"/>
+                </a:solidFill>
+                <a:latin typeface="微軟正黑體" pitchFamily="34" charset="-120"/>
+                <a:ea typeface="微軟正黑體" pitchFamily="34" charset="-120"/>
+              </a:rPr>
+              <a:t>我的主  我的王</a:t>
+            </a:r>
+            <a:endParaRPr lang="en-US" altLang="zh-TW" sz="6400" b="1" dirty="0">
+              <a:solidFill>
+                <a:srgbClr val="660033"/>
+              </a:solidFill>
+              <a:latin typeface="微軟正黑體" pitchFamily="34" charset="-120"/>
+              <a:ea typeface="微軟正黑體" pitchFamily="34" charset="-120"/>
+            </a:endParaRPr>
+          </a:p>
+        </p:txBody>
+      </p:sp>
+      <p:sp>
+        <p:nvSpPr>
+          <p:cNvPr id="3" name="TextBox 2"/>
+          <p:cNvSpPr txBox="1"/>
+          <p:nvPr/>
+        </p:nvSpPr>
+        <p:spPr>
+          <a:xfrm>
+            <a:off x="0" y="5157192"/>
+            <a:ext cx="12192000" cy="666786"/>
+          </a:xfrm>
+          <a:prstGeom prst="rect">
+            <a:avLst/>
+          </a:prstGeom>
+          <a:noFill/>
+        </p:spPr>
+        <p:txBody>
+          <a:bodyPr wrap="square" rtlCol="0">
+            <a:spAutoFit/>
+          </a:bodyPr>
+          <a:lstStyle/>
+          <a:p>
+            <a:pPr algn="ctr"/>
+            <a:r>
+              <a:rPr lang="en-US" sz="3733" b="1" dirty="0">
+                <a:solidFill>
+                  <a:srgbClr val="660033"/>
+                </a:solidFill>
+                <a:latin typeface="Microsoft JhengHei" panose="020B0604030504040204" pitchFamily="34" charset="-120"/>
+                <a:ea typeface="Microsoft JhengHei" panose="020B0604030504040204" pitchFamily="34" charset="-120"/>
+              </a:rPr>
+              <a:t>( </a:t>
+            </a:r>
+            <a:r>
+              <a:rPr lang="zh-CN" altLang="en-US" sz="3733" b="1" dirty="0">
+                <a:solidFill>
+                  <a:srgbClr val="660033"/>
+                </a:solidFill>
+                <a:latin typeface="Microsoft JhengHei" panose="020B0604030504040204" pitchFamily="34" charset="-120"/>
+                <a:ea typeface="Microsoft JhengHei" panose="020B0604030504040204" pitchFamily="34" charset="-120"/>
+              </a:rPr>
+              <a:t>副</a:t>
+            </a:r>
+            <a:r>
+              <a:rPr lang="en-US" sz="3733" b="1" dirty="0">
+                <a:solidFill>
+                  <a:srgbClr val="660033"/>
+                </a:solidFill>
+                <a:latin typeface="Microsoft JhengHei" panose="020B0604030504040204" pitchFamily="34" charset="-120"/>
+                <a:ea typeface="Microsoft JhengHei" panose="020B0604030504040204" pitchFamily="34" charset="-120"/>
+              </a:rPr>
+              <a:t> )</a:t>
+            </a:r>
+            <a:endParaRPr lang="vi-VN" sz="3733" b="1" dirty="0">
+              <a:solidFill>
+                <a:srgbClr val="660033"/>
+              </a:solidFill>
+              <a:ea typeface="Microsoft JhengHei" panose="020B0604030504040204" pitchFamily="34" charset="-120"/>
+            </a:endParaRPr>
+          </a:p>
+        </p:txBody>
+      </p:sp>
+    </p:spTree>
+    <p:extLst>
+      <p:ext uri="{BB962C8B-B14F-4D97-AF65-F5344CB8AC3E}">
+        <p14:creationId xmlns:p14="http://schemas.microsoft.com/office/powerpoint/2010/main" val="234983637"/>
+      </p:ext>
+    </p:extLst>
+  </p:cSld>
+  <p:clrMapOvr>
+    <a:masterClrMapping/>
+  </p:clrMapOvr>
+</p:sld>
+</file>
+
+<file path=ppt/slides/slide12.xml><?xml version="1.0" encoding="utf-8"?>
+<p:sld xmlns:a="http://schemas.openxmlformats.org/drawingml/2006/main" xmlns:r="http://schemas.openxmlformats.org/officeDocument/2006/relationships" xmlns:p="http://schemas.openxmlformats.org/presentationml/2006/main">
+  <p:cSld>
+    <p:spTree>
+      <p:nvGrpSpPr>
+        <p:cNvPr id="1" name=""/>
+        <p:cNvGrpSpPr/>
+        <p:nvPr/>
+      </p:nvGrpSpPr>
+      <p:grpSpPr>
+        <a:xfrm>
+          <a:off x="0" y="0"/>
+          <a:ext cx="0" cy="0"/>
+          <a:chOff x="0" y="0"/>
+          <a:chExt cx="0" cy="0"/>
+        </a:xfrm>
+      </p:grpSpPr>
+      <p:sp>
+        <p:nvSpPr>
+          <p:cNvPr id="5" name="內容版面配置區 4"/>
+          <p:cNvSpPr>
+            <a:spLocks noGrp="1"/>
+          </p:cNvSpPr>
+          <p:nvPr>
+            <p:ph idx="1"/>
+          </p:nvPr>
+        </p:nvSpPr>
+        <p:spPr>
+          <a:xfrm>
+            <a:off x="0" y="2084851"/>
+            <a:ext cx="12192000" cy="2404863"/>
+          </a:xfrm>
+        </p:spPr>
+        <p:txBody>
+          <a:bodyPr anchor="ctr">
+            <a:normAutofit/>
+          </a:bodyPr>
+          <a:lstStyle/>
+          <a:p>
+            <a:pPr marL="0" indent="0" algn="ctr">
+              <a:buNone/>
+            </a:pPr>
+            <a:r>
+              <a:rPr lang="zh-TW" altLang="en-US" sz="6400" b="1" dirty="0">
+                <a:solidFill>
+                  <a:srgbClr val="660033"/>
+                </a:solidFill>
+                <a:latin typeface="微軟正黑體" pitchFamily="34" charset="-120"/>
+                <a:ea typeface="微軟正黑體" pitchFamily="34" charset="-120"/>
+              </a:rPr>
+              <a:t>祂確是生命橋</a:t>
+            </a:r>
+            <a:r>
+              <a:rPr lang="zh-TW" altLang="en-US" sz="6400" b="1" dirty="0">
+                <a:solidFill>
+                  <a:srgbClr val="660033"/>
+                </a:solidFill>
+                <a:latin typeface="微軟正黑體" pitchFamily="34" charset="-120"/>
+                <a:ea typeface="微軟正黑體" pitchFamily="34" charset="-120"/>
+              </a:rPr>
+              <a:t>樑</a:t>
+            </a:r>
+            <a:endParaRPr lang="en-US" altLang="zh-TW" sz="6400" b="1" dirty="0">
+              <a:solidFill>
+                <a:srgbClr val="660033"/>
+              </a:solidFill>
+              <a:latin typeface="微軟正黑體" pitchFamily="34" charset="-120"/>
+              <a:ea typeface="微軟正黑體" pitchFamily="34" charset="-120"/>
+            </a:endParaRPr>
+          </a:p>
+          <a:p>
+            <a:pPr marL="0" indent="0" algn="ctr">
+              <a:buNone/>
+            </a:pPr>
+            <a:r>
+              <a:rPr lang="zh-TW" altLang="en-US" sz="6400" b="1" dirty="0">
+                <a:solidFill>
+                  <a:srgbClr val="660033"/>
+                </a:solidFill>
+                <a:latin typeface="微軟正黑體" pitchFamily="34" charset="-120"/>
+                <a:ea typeface="微軟正黑體" pitchFamily="34" charset="-120"/>
+              </a:rPr>
+              <a:t>萬</a:t>
+            </a:r>
+            <a:r>
+              <a:rPr lang="zh-TW" altLang="en-US" sz="6400" b="1" dirty="0">
+                <a:solidFill>
+                  <a:srgbClr val="660033"/>
+                </a:solidFill>
+                <a:latin typeface="微軟正黑體" pitchFamily="34" charset="-120"/>
+                <a:ea typeface="微軟正黑體" pitchFamily="34" charset="-120"/>
+              </a:rPr>
+              <a:t>主之主  萬王之王</a:t>
+            </a:r>
+            <a:endParaRPr lang="vi-VN" sz="6400" b="1" dirty="0">
+              <a:solidFill>
+                <a:srgbClr val="660033"/>
+              </a:solidFill>
+              <a:latin typeface="微軟正黑體" pitchFamily="34" charset="-120"/>
+              <a:ea typeface="微軟正黑體" pitchFamily="34" charset="-120"/>
+            </a:endParaRPr>
+          </a:p>
+        </p:txBody>
+      </p:sp>
+      <p:sp>
+        <p:nvSpPr>
+          <p:cNvPr id="3" name="TextBox 2"/>
+          <p:cNvSpPr txBox="1"/>
+          <p:nvPr/>
+        </p:nvSpPr>
+        <p:spPr>
+          <a:xfrm>
+            <a:off x="0" y="5157192"/>
+            <a:ext cx="12192000" cy="666786"/>
+          </a:xfrm>
+          <a:prstGeom prst="rect">
+            <a:avLst/>
+          </a:prstGeom>
+          <a:noFill/>
+        </p:spPr>
+        <p:txBody>
+          <a:bodyPr wrap="square" rtlCol="0">
+            <a:spAutoFit/>
+          </a:bodyPr>
+          <a:lstStyle/>
+          <a:p>
+            <a:pPr algn="ctr"/>
+            <a:r>
+              <a:rPr lang="en-US" sz="3733" b="1" dirty="0">
+                <a:solidFill>
+                  <a:srgbClr val="660033"/>
+                </a:solidFill>
+                <a:latin typeface="Microsoft JhengHei" panose="020B0604030504040204" pitchFamily="34" charset="-120"/>
+                <a:ea typeface="Microsoft JhengHei" panose="020B0604030504040204" pitchFamily="34" charset="-120"/>
+              </a:rPr>
+              <a:t>( </a:t>
+            </a:r>
+            <a:r>
+              <a:rPr lang="zh-CN" altLang="en-US" sz="3733" b="1" dirty="0">
+                <a:solidFill>
+                  <a:srgbClr val="660033"/>
+                </a:solidFill>
+                <a:latin typeface="Microsoft JhengHei" panose="020B0604030504040204" pitchFamily="34" charset="-120"/>
+                <a:ea typeface="Microsoft JhengHei" panose="020B0604030504040204" pitchFamily="34" charset="-120"/>
+              </a:rPr>
+              <a:t>副</a:t>
+            </a:r>
+            <a:r>
+              <a:rPr lang="en-US" sz="3733" b="1" dirty="0">
+                <a:solidFill>
+                  <a:srgbClr val="660033"/>
+                </a:solidFill>
+                <a:latin typeface="Microsoft JhengHei" panose="020B0604030504040204" pitchFamily="34" charset="-120"/>
+                <a:ea typeface="Microsoft JhengHei" panose="020B0604030504040204" pitchFamily="34" charset="-120"/>
+              </a:rPr>
+              <a:t> )</a:t>
+            </a:r>
+            <a:endParaRPr lang="vi-VN" sz="3733" b="1" dirty="0">
+              <a:solidFill>
+                <a:srgbClr val="660033"/>
+              </a:solidFill>
+              <a:ea typeface="Microsoft JhengHei" panose="020B0604030504040204" pitchFamily="34" charset="-120"/>
+            </a:endParaRPr>
+          </a:p>
+        </p:txBody>
+      </p:sp>
+    </p:spTree>
+    <p:extLst>
+      <p:ext uri="{BB962C8B-B14F-4D97-AF65-F5344CB8AC3E}">
+        <p14:creationId xmlns:p14="http://schemas.microsoft.com/office/powerpoint/2010/main" val="3353542989"/>
       </p:ext>
     </p:extLst>
   </p:cSld>
@@ -3334,222 +3720,158 @@
       </p:grpSpPr>
       <p:sp>
         <p:nvSpPr>
-          <p:cNvPr id="2" name="Title 1"/>
-          <p:cNvSpPr>
-            <a:spLocks noGrp="1"/>
-          </p:cNvSpPr>
-          <p:nvPr>
-            <p:ph type="title"/>
-          </p:nvPr>
-        </p:nvSpPr>
-        <p:spPr/>
-        <p:txBody>
-          <a:bodyPr>
+          <p:cNvPr id="5" name="內容版面配置區 4"/>
+          <p:cNvSpPr>
+            <a:spLocks noGrp="1"/>
+          </p:cNvSpPr>
+          <p:nvPr>
+            <p:ph idx="1"/>
+          </p:nvPr>
+        </p:nvSpPr>
+        <p:spPr>
+          <a:xfrm>
+            <a:off x="0" y="2084851"/>
+            <a:ext cx="12192000" cy="2404863"/>
+          </a:xfrm>
+        </p:spPr>
+        <p:txBody>
+          <a:bodyPr anchor="ctr">
             <a:normAutofit/>
           </a:bodyPr>
           <a:lstStyle/>
           <a:p>
+            <a:pPr marL="0" indent="0" algn="ctr">
+              <a:buNone/>
+            </a:pPr>
+            <a:r>
+              <a:rPr lang="zh-TW" altLang="en-US" sz="6400" b="1" dirty="0">
+                <a:solidFill>
+                  <a:srgbClr val="660033"/>
+                </a:solidFill>
+                <a:latin typeface="微軟正黑體" pitchFamily="34" charset="-120"/>
+                <a:ea typeface="微軟正黑體" pitchFamily="34" charset="-120"/>
+              </a:rPr>
+              <a:t>十</a:t>
+            </a:r>
+            <a:r>
+              <a:rPr lang="zh-TW" altLang="en-US" sz="6400" b="1" dirty="0">
+                <a:solidFill>
+                  <a:srgbClr val="660033"/>
+                </a:solidFill>
+                <a:latin typeface="微軟正黑體" pitchFamily="34" charset="-120"/>
+                <a:ea typeface="微軟正黑體" pitchFamily="34" charset="-120"/>
+              </a:rPr>
+              <a:t>架  各各他  </a:t>
+            </a:r>
+            <a:endParaRPr lang="en-US" altLang="zh-TW" sz="6400" b="1" dirty="0">
+              <a:solidFill>
+                <a:srgbClr val="660033"/>
+              </a:solidFill>
+              <a:latin typeface="微軟正黑體" pitchFamily="34" charset="-120"/>
+              <a:ea typeface="微軟正黑體" pitchFamily="34" charset="-120"/>
+            </a:endParaRPr>
+          </a:p>
+          <a:p>
+            <a:pPr marL="0" indent="0" algn="ctr">
+              <a:buNone/>
+            </a:pPr>
+            <a:r>
+              <a:rPr lang="zh-TW" altLang="en-US" sz="6400" b="1" dirty="0">
+                <a:solidFill>
+                  <a:srgbClr val="660033"/>
+                </a:solidFill>
+                <a:latin typeface="微軟正黑體" pitchFamily="34" charset="-120"/>
+                <a:ea typeface="微軟正黑體" pitchFamily="34" charset="-120"/>
+              </a:rPr>
+              <a:t>主</a:t>
+            </a:r>
+            <a:r>
+              <a:rPr lang="zh-TW" altLang="en-US" sz="6400" b="1" dirty="0">
+                <a:solidFill>
+                  <a:srgbClr val="660033"/>
+                </a:solidFill>
+                <a:latin typeface="微軟正黑體" pitchFamily="34" charset="-120"/>
+                <a:ea typeface="微軟正黑體" pitchFamily="34" charset="-120"/>
+              </a:rPr>
+              <a:t>寶血為我流</a:t>
+            </a:r>
+            <a:r>
+              <a:rPr lang="zh-TW" altLang="en-US" sz="6400" b="1" dirty="0">
+                <a:solidFill>
+                  <a:srgbClr val="660033"/>
+                </a:solidFill>
+                <a:latin typeface="微軟正黑體" pitchFamily="34" charset="-120"/>
+                <a:ea typeface="微軟正黑體" pitchFamily="34" charset="-120"/>
+              </a:rPr>
+              <a:t>下</a:t>
+            </a:r>
+            <a:endParaRPr lang="en-US" altLang="zh-TW" sz="6400" b="1" dirty="0">
+              <a:solidFill>
+                <a:srgbClr val="660033"/>
+              </a:solidFill>
+              <a:latin typeface="微軟正黑體" pitchFamily="34" charset="-120"/>
+              <a:ea typeface="微軟正黑體" pitchFamily="34" charset="-120"/>
+            </a:endParaRPr>
+          </a:p>
+        </p:txBody>
+      </p:sp>
+      <p:sp>
+        <p:nvSpPr>
+          <p:cNvPr id="3" name="TextBox 2"/>
+          <p:cNvSpPr txBox="1"/>
+          <p:nvPr/>
+        </p:nvSpPr>
+        <p:spPr>
+          <a:xfrm>
+            <a:off x="0" y="5157192"/>
+            <a:ext cx="12192000" cy="666786"/>
+          </a:xfrm>
+          <a:prstGeom prst="rect">
+            <a:avLst/>
+          </a:prstGeom>
+          <a:noFill/>
+        </p:spPr>
+        <p:txBody>
+          <a:bodyPr wrap="square" rtlCol="0">
+            <a:spAutoFit/>
+          </a:bodyPr>
+          <a:lstStyle/>
+          <a:p>
             <a:pPr algn="ctr"/>
             <a:r>
-              <a:rPr lang="zh-CN" altLang="en-US" sz="4800" b="1" dirty="0">
+              <a:rPr lang="en-US" sz="3733" b="1" dirty="0">
+                <a:solidFill>
+                  <a:srgbClr val="660033"/>
+                </a:solidFill>
                 <a:latin typeface="Microsoft JhengHei" panose="020B0604030504040204" pitchFamily="34" charset="-120"/>
                 <a:ea typeface="Microsoft JhengHei" panose="020B0604030504040204" pitchFamily="34" charset="-120"/>
               </a:rPr>
-              <a:t>復活</a:t>
-            </a:r>
-            <a:endParaRPr lang="vi-VN" sz="4800" b="1" dirty="0">
-              <a:ea typeface="Microsoft JhengHei" panose="020B0604030504040204" pitchFamily="34" charset="-120"/>
-            </a:endParaRPr>
-          </a:p>
-        </p:txBody>
-      </p:sp>
-      <p:sp>
-        <p:nvSpPr>
-          <p:cNvPr id="3" name="Content Placeholder 2"/>
-          <p:cNvSpPr>
-            <a:spLocks noGrp="1"/>
-          </p:cNvSpPr>
-          <p:nvPr>
-            <p:ph idx="1"/>
-          </p:nvPr>
-        </p:nvSpPr>
-        <p:spPr>
-          <a:xfrm>
-            <a:off x="0" y="1825625"/>
-            <a:ext cx="12192000" cy="4351338"/>
-          </a:xfrm>
-        </p:spPr>
-        <p:txBody>
-          <a:bodyPr>
-            <a:normAutofit/>
-          </a:bodyPr>
-          <a:lstStyle/>
-          <a:p>
-            <a:pPr marL="0" indent="0" algn="ctr">
-              <a:buNone/>
-            </a:pPr>
-            <a:r>
-              <a:rPr lang="zh-TW" altLang="en-US" sz="5400" b="1" dirty="0">
+              <a:t>( </a:t>
+            </a:r>
+            <a:r>
+              <a:rPr lang="zh-CN" altLang="en-US" sz="3733" b="1" dirty="0">
+                <a:solidFill>
+                  <a:srgbClr val="660033"/>
+                </a:solidFill>
                 <a:latin typeface="Microsoft JhengHei" panose="020B0604030504040204" pitchFamily="34" charset="-120"/>
                 <a:ea typeface="Microsoft JhengHei" panose="020B0604030504040204" pitchFamily="34" charset="-120"/>
               </a:rPr>
-              <a:t>就在第三日的清</a:t>
-            </a:r>
-            <a:r>
-              <a:rPr lang="zh-TW" altLang="en-US" sz="5400" b="1" dirty="0">
+              <a:t>正</a:t>
+            </a:r>
+            <a:r>
+              <a:rPr lang="en-US" sz="3733" b="1" dirty="0">
+                <a:solidFill>
+                  <a:srgbClr val="660033"/>
+                </a:solidFill>
                 <a:latin typeface="Microsoft JhengHei" panose="020B0604030504040204" pitchFamily="34" charset="-120"/>
                 <a:ea typeface="Microsoft JhengHei" panose="020B0604030504040204" pitchFamily="34" charset="-120"/>
               </a:rPr>
-              <a:t>晨  空</a:t>
-            </a:r>
-            <a:r>
-              <a:rPr lang="zh-TW" altLang="en-US" sz="5400" b="1" dirty="0">
-                <a:latin typeface="Microsoft JhengHei" panose="020B0604030504040204" pitchFamily="34" charset="-120"/>
-                <a:ea typeface="Microsoft JhengHei" panose="020B0604030504040204" pitchFamily="34" charset="-120"/>
-              </a:rPr>
-              <a:t>的墳墓向我證</a:t>
-            </a:r>
-            <a:r>
-              <a:rPr lang="zh-TW" altLang="en-US" sz="5400" b="1" dirty="0">
-                <a:latin typeface="Microsoft JhengHei" panose="020B0604030504040204" pitchFamily="34" charset="-120"/>
-                <a:ea typeface="Microsoft JhengHei" panose="020B0604030504040204" pitchFamily="34" charset="-120"/>
-              </a:rPr>
-              <a:t>明</a:t>
-            </a:r>
-            <a:endParaRPr lang="en-US" altLang="zh-TW" sz="5400" b="1" dirty="0">
-              <a:latin typeface="Microsoft JhengHei" panose="020B0604030504040204" pitchFamily="34" charset="-120"/>
-              <a:ea typeface="Microsoft JhengHei" panose="020B0604030504040204" pitchFamily="34" charset="-120"/>
-            </a:endParaRPr>
-          </a:p>
-          <a:p>
-            <a:pPr marL="0" indent="0" algn="ctr">
-              <a:buNone/>
-            </a:pPr>
-            <a:r>
-              <a:rPr lang="zh-TW" altLang="en-US" sz="5400" b="1" dirty="0">
-                <a:latin typeface="Microsoft JhengHei" panose="020B0604030504040204" pitchFamily="34" charset="-120"/>
-                <a:ea typeface="Microsoft JhengHei" panose="020B0604030504040204" pitchFamily="34" charset="-120"/>
-              </a:rPr>
-              <a:t>戰</a:t>
-            </a:r>
-            <a:r>
-              <a:rPr lang="zh-TW" altLang="en-US" sz="5400" b="1" dirty="0">
-                <a:latin typeface="Microsoft JhengHei" panose="020B0604030504040204" pitchFamily="34" charset="-120"/>
-                <a:ea typeface="Microsoft JhengHei" panose="020B0604030504040204" pitchFamily="34" charset="-120"/>
-              </a:rPr>
-              <a:t>勝死</a:t>
-            </a:r>
-            <a:r>
-              <a:rPr lang="zh-TW" altLang="en-US" sz="5400" b="1" dirty="0">
-                <a:latin typeface="Microsoft JhengHei" panose="020B0604030504040204" pitchFamily="34" charset="-120"/>
-                <a:ea typeface="Microsoft JhengHei" panose="020B0604030504040204" pitchFamily="34" charset="-120"/>
-              </a:rPr>
-              <a:t>亡  祂</a:t>
-            </a:r>
-            <a:r>
-              <a:rPr lang="zh-TW" altLang="en-US" sz="5400" b="1" dirty="0">
-                <a:latin typeface="Microsoft JhengHei" panose="020B0604030504040204" pitchFamily="34" charset="-120"/>
-                <a:ea typeface="Microsoft JhengHei" panose="020B0604030504040204" pitchFamily="34" charset="-120"/>
-              </a:rPr>
-              <a:t>是復活的</a:t>
-            </a:r>
-            <a:r>
-              <a:rPr lang="zh-TW" altLang="en-US" sz="5400" b="1" dirty="0">
-                <a:latin typeface="Microsoft JhengHei" panose="020B0604030504040204" pitchFamily="34" charset="-120"/>
-                <a:ea typeface="Microsoft JhengHei" panose="020B0604030504040204" pitchFamily="34" charset="-120"/>
-              </a:rPr>
-              <a:t>主</a:t>
-            </a:r>
-            <a:endParaRPr lang="en-US" altLang="zh-TW" sz="5400" b="1" dirty="0">
-              <a:latin typeface="Microsoft JhengHei" panose="020B0604030504040204" pitchFamily="34" charset="-120"/>
-              <a:ea typeface="Microsoft JhengHei" panose="020B0604030504040204" pitchFamily="34" charset="-120"/>
-            </a:endParaRPr>
-          </a:p>
-          <a:p>
-            <a:pPr marL="0" indent="0" algn="ctr">
-              <a:buNone/>
-            </a:pPr>
-            <a:r>
-              <a:rPr lang="zh-TW" altLang="en-US" sz="5400" b="1" dirty="0">
-                <a:latin typeface="Microsoft JhengHei" panose="020B0604030504040204" pitchFamily="34" charset="-120"/>
-                <a:ea typeface="Microsoft JhengHei" panose="020B0604030504040204" pitchFamily="34" charset="-120"/>
-              </a:rPr>
-              <a:t>新</a:t>
-            </a:r>
-            <a:r>
-              <a:rPr lang="zh-TW" altLang="en-US" sz="5400" b="1" dirty="0">
-                <a:latin typeface="Microsoft JhengHei" panose="020B0604030504040204" pitchFamily="34" charset="-120"/>
-                <a:ea typeface="Microsoft JhengHei" panose="020B0604030504040204" pitchFamily="34" charset="-120"/>
-              </a:rPr>
-              <a:t>的國度新的希</a:t>
-            </a:r>
-            <a:r>
-              <a:rPr lang="zh-TW" altLang="en-US" sz="5400" b="1" dirty="0">
-                <a:latin typeface="Microsoft JhengHei" panose="020B0604030504040204" pitchFamily="34" charset="-120"/>
-                <a:ea typeface="Microsoft JhengHei" panose="020B0604030504040204" pitchFamily="34" charset="-120"/>
-              </a:rPr>
-              <a:t>望  死</a:t>
-            </a:r>
-            <a:r>
-              <a:rPr lang="zh-TW" altLang="en-US" sz="5400" b="1" dirty="0">
-                <a:latin typeface="Microsoft JhengHei" panose="020B0604030504040204" pitchFamily="34" charset="-120"/>
-                <a:ea typeface="Microsoft JhengHei" panose="020B0604030504040204" pitchFamily="34" charset="-120"/>
-              </a:rPr>
-              <a:t>亡不再對我捆</a:t>
-            </a:r>
-            <a:r>
-              <a:rPr lang="zh-TW" altLang="en-US" sz="5400" b="1" dirty="0">
-                <a:latin typeface="Microsoft JhengHei" panose="020B0604030504040204" pitchFamily="34" charset="-120"/>
-                <a:ea typeface="Microsoft JhengHei" panose="020B0604030504040204" pitchFamily="34" charset="-120"/>
-              </a:rPr>
-              <a:t>綁</a:t>
-            </a:r>
-            <a:endParaRPr lang="en-US" altLang="zh-TW" sz="5400" b="1" dirty="0">
-              <a:latin typeface="Microsoft JhengHei" panose="020B0604030504040204" pitchFamily="34" charset="-120"/>
-              <a:ea typeface="Microsoft JhengHei" panose="020B0604030504040204" pitchFamily="34" charset="-120"/>
-            </a:endParaRPr>
-          </a:p>
-          <a:p>
-            <a:pPr marL="0" indent="0" algn="ctr">
-              <a:buNone/>
-            </a:pPr>
-            <a:r>
-              <a:rPr lang="zh-TW" altLang="en-US" sz="5400" b="1" dirty="0">
-                <a:latin typeface="Microsoft JhengHei" panose="020B0604030504040204" pitchFamily="34" charset="-120"/>
-                <a:ea typeface="Microsoft JhengHei" panose="020B0604030504040204" pitchFamily="34" charset="-120"/>
-              </a:rPr>
-              <a:t>哈</a:t>
-            </a:r>
-            <a:r>
-              <a:rPr lang="zh-TW" altLang="en-US" sz="5400" b="1" dirty="0">
-                <a:latin typeface="Microsoft JhengHei" panose="020B0604030504040204" pitchFamily="34" charset="-120"/>
-                <a:ea typeface="Microsoft JhengHei" panose="020B0604030504040204" pitchFamily="34" charset="-120"/>
-              </a:rPr>
-              <a:t>利路</a:t>
-            </a:r>
-            <a:r>
-              <a:rPr lang="zh-TW" altLang="en-US" sz="5400" b="1" dirty="0">
-                <a:latin typeface="Microsoft JhengHei" panose="020B0604030504040204" pitchFamily="34" charset="-120"/>
-                <a:ea typeface="Microsoft JhengHei" panose="020B0604030504040204" pitchFamily="34" charset="-120"/>
-              </a:rPr>
-              <a:t>亞  祂</a:t>
-            </a:r>
-            <a:r>
-              <a:rPr lang="zh-TW" altLang="en-US" sz="5400" b="1" dirty="0">
-                <a:latin typeface="Microsoft JhengHei" panose="020B0604030504040204" pitchFamily="34" charset="-120"/>
-                <a:ea typeface="Microsoft JhengHei" panose="020B0604030504040204" pitchFamily="34" charset="-120"/>
-              </a:rPr>
-              <a:t>是復活的</a:t>
-            </a:r>
-            <a:r>
-              <a:rPr lang="zh-TW" altLang="en-US" sz="5400" b="1" dirty="0">
-                <a:latin typeface="Microsoft JhengHei" panose="020B0604030504040204" pitchFamily="34" charset="-120"/>
-                <a:ea typeface="Microsoft JhengHei" panose="020B0604030504040204" pitchFamily="34" charset="-120"/>
-              </a:rPr>
-              <a:t>主</a:t>
-            </a:r>
-            <a:endParaRPr lang="vi-VN" sz="5400" b="1" dirty="0">
-              <a:latin typeface="Microsoft JhengHei" panose="020B0604030504040204" pitchFamily="34" charset="-120"/>
+              <a:t> )</a:t>
+            </a:r>
+            <a:endParaRPr lang="vi-VN" sz="3733" b="1" dirty="0">
+              <a:solidFill>
+                <a:srgbClr val="660033"/>
+              </a:solidFill>
               <a:ea typeface="Microsoft JhengHei" panose="020B0604030504040204" pitchFamily="34" charset="-120"/>
             </a:endParaRPr>
           </a:p>
@@ -3558,7 +3880,7 @@
     </p:spTree>
     <p:extLst>
       <p:ext uri="{BB962C8B-B14F-4D97-AF65-F5344CB8AC3E}">
-        <p14:creationId xmlns:p14="http://schemas.microsoft.com/office/powerpoint/2010/main" val="1422069100"/>
+        <p14:creationId xmlns:p14="http://schemas.microsoft.com/office/powerpoint/2010/main" val="1216499607"/>
       </p:ext>
     </p:extLst>
   </p:cSld>
@@ -3587,236 +3909,158 @@
       </p:grpSpPr>
       <p:sp>
         <p:nvSpPr>
-          <p:cNvPr id="2" name="Title 1"/>
-          <p:cNvSpPr>
-            <a:spLocks noGrp="1"/>
-          </p:cNvSpPr>
-          <p:nvPr>
-            <p:ph type="title"/>
-          </p:nvPr>
-        </p:nvSpPr>
-        <p:spPr/>
-        <p:txBody>
-          <a:bodyPr>
+          <p:cNvPr id="5" name="內容版面配置區 4"/>
+          <p:cNvSpPr>
+            <a:spLocks noGrp="1"/>
+          </p:cNvSpPr>
+          <p:nvPr>
+            <p:ph idx="1"/>
+          </p:nvPr>
+        </p:nvSpPr>
+        <p:spPr>
+          <a:xfrm>
+            <a:off x="0" y="2084851"/>
+            <a:ext cx="12192000" cy="2404863"/>
+          </a:xfrm>
+        </p:spPr>
+        <p:txBody>
+          <a:bodyPr anchor="ctr">
             <a:normAutofit/>
           </a:bodyPr>
           <a:lstStyle/>
           <a:p>
+            <a:pPr marL="0" indent="0" algn="ctr">
+              <a:buNone/>
+            </a:pPr>
+            <a:r>
+              <a:rPr lang="zh-TW" altLang="en-US" sz="6400" b="1" dirty="0">
+                <a:solidFill>
+                  <a:srgbClr val="660033"/>
+                </a:solidFill>
+                <a:latin typeface="微軟正黑體" pitchFamily="34" charset="-120"/>
+                <a:ea typeface="微軟正黑體" pitchFamily="34" charset="-120"/>
+              </a:rPr>
+              <a:t>擔</a:t>
+            </a:r>
+            <a:r>
+              <a:rPr lang="zh-TW" altLang="en-US" sz="6400" b="1" dirty="0">
+                <a:solidFill>
+                  <a:srgbClr val="660033"/>
+                </a:solidFill>
+                <a:latin typeface="微軟正黑體" pitchFamily="34" charset="-120"/>
+                <a:ea typeface="微軟正黑體" pitchFamily="34" charset="-120"/>
+              </a:rPr>
+              <a:t>當我的過</a:t>
+            </a:r>
+            <a:r>
+              <a:rPr lang="zh-TW" altLang="en-US" sz="6400" b="1" dirty="0">
+                <a:solidFill>
+                  <a:srgbClr val="660033"/>
+                </a:solidFill>
+                <a:latin typeface="微軟正黑體" pitchFamily="34" charset="-120"/>
+                <a:ea typeface="微軟正黑體" pitchFamily="34" charset="-120"/>
+              </a:rPr>
+              <a:t>犯</a:t>
+            </a:r>
+            <a:endParaRPr lang="en-US" altLang="zh-TW" sz="6400" b="1" dirty="0">
+              <a:solidFill>
+                <a:srgbClr val="660033"/>
+              </a:solidFill>
+              <a:latin typeface="微軟正黑體" pitchFamily="34" charset="-120"/>
+              <a:ea typeface="微軟正黑體" pitchFamily="34" charset="-120"/>
+            </a:endParaRPr>
+          </a:p>
+          <a:p>
+            <a:pPr marL="0" indent="0" algn="ctr">
+              <a:buNone/>
+            </a:pPr>
+            <a:r>
+              <a:rPr lang="zh-TW" altLang="en-US" sz="6400" b="1" dirty="0">
+                <a:solidFill>
+                  <a:srgbClr val="660033"/>
+                </a:solidFill>
+                <a:latin typeface="微軟正黑體" pitchFamily="34" charset="-120"/>
+                <a:ea typeface="微軟正黑體" pitchFamily="34" charset="-120"/>
+              </a:rPr>
+              <a:t>荊棘冠冕祂為我戴</a:t>
+            </a:r>
+            <a:r>
+              <a:rPr lang="zh-TW" altLang="en-US" sz="6400" b="1" dirty="0">
+                <a:solidFill>
+                  <a:srgbClr val="660033"/>
+                </a:solidFill>
+                <a:latin typeface="微軟正黑體" pitchFamily="34" charset="-120"/>
+                <a:ea typeface="微軟正黑體" pitchFamily="34" charset="-120"/>
+              </a:rPr>
+              <a:t>上</a:t>
+            </a:r>
+            <a:endParaRPr lang="en-US" altLang="zh-TW" sz="6400" b="1" dirty="0">
+              <a:solidFill>
+                <a:srgbClr val="660033"/>
+              </a:solidFill>
+              <a:latin typeface="微軟正黑體" pitchFamily="34" charset="-120"/>
+              <a:ea typeface="微軟正黑體" pitchFamily="34" charset="-120"/>
+            </a:endParaRPr>
+          </a:p>
+        </p:txBody>
+      </p:sp>
+      <p:sp>
+        <p:nvSpPr>
+          <p:cNvPr id="3" name="TextBox 2"/>
+          <p:cNvSpPr txBox="1"/>
+          <p:nvPr/>
+        </p:nvSpPr>
+        <p:spPr>
+          <a:xfrm>
+            <a:off x="0" y="5157192"/>
+            <a:ext cx="12192000" cy="666786"/>
+          </a:xfrm>
+          <a:prstGeom prst="rect">
+            <a:avLst/>
+          </a:prstGeom>
+          <a:noFill/>
+        </p:spPr>
+        <p:txBody>
+          <a:bodyPr wrap="square" rtlCol="0">
+            <a:spAutoFit/>
+          </a:bodyPr>
+          <a:lstStyle/>
+          <a:p>
             <a:pPr algn="ctr"/>
             <a:r>
-              <a:rPr lang="zh-CN" altLang="en-US" sz="4800" b="1" dirty="0">
+              <a:rPr lang="en-US" sz="3733" b="1" dirty="0">
+                <a:solidFill>
+                  <a:srgbClr val="660033"/>
+                </a:solidFill>
                 <a:latin typeface="Microsoft JhengHei" panose="020B0604030504040204" pitchFamily="34" charset="-120"/>
                 <a:ea typeface="Microsoft JhengHei" panose="020B0604030504040204" pitchFamily="34" charset="-120"/>
               </a:rPr>
-              <a:t>復活</a:t>
-            </a:r>
-            <a:endParaRPr lang="vi-VN" sz="4800" b="1" dirty="0">
-              <a:ea typeface="Microsoft JhengHei" panose="020B0604030504040204" pitchFamily="34" charset="-120"/>
-            </a:endParaRPr>
-          </a:p>
-        </p:txBody>
-      </p:sp>
-      <p:sp>
-        <p:nvSpPr>
-          <p:cNvPr id="3" name="Content Placeholder 2"/>
-          <p:cNvSpPr>
-            <a:spLocks noGrp="1"/>
-          </p:cNvSpPr>
-          <p:nvPr>
-            <p:ph idx="1"/>
-          </p:nvPr>
-        </p:nvSpPr>
-        <p:spPr>
-          <a:xfrm>
-            <a:off x="0" y="1825625"/>
-            <a:ext cx="12192000" cy="4351338"/>
-          </a:xfrm>
-        </p:spPr>
-        <p:txBody>
-          <a:bodyPr>
-            <a:normAutofit/>
-          </a:bodyPr>
-          <a:lstStyle/>
-          <a:p>
-            <a:pPr marL="0" indent="0" algn="ctr">
-              <a:buNone/>
-            </a:pPr>
-            <a:r>
-              <a:rPr lang="zh-TW" altLang="en-US" sz="5400" b="1" dirty="0">
+              <a:t>( </a:t>
+            </a:r>
+            <a:r>
+              <a:rPr lang="zh-CN" altLang="en-US" sz="3733" b="1" dirty="0">
+                <a:solidFill>
+                  <a:srgbClr val="660033"/>
+                </a:solidFill>
                 <a:latin typeface="Microsoft JhengHei" panose="020B0604030504040204" pitchFamily="34" charset="-120"/>
                 <a:ea typeface="Microsoft JhengHei" panose="020B0604030504040204" pitchFamily="34" charset="-120"/>
               </a:rPr>
-              <a:t>我的</a:t>
-            </a:r>
-            <a:r>
-              <a:rPr lang="zh-TW" altLang="en-US" sz="5400" b="1" dirty="0">
+              <a:t>正</a:t>
+            </a:r>
+            <a:r>
+              <a:rPr lang="en-US" sz="3733" b="1" dirty="0">
+                <a:solidFill>
+                  <a:srgbClr val="660033"/>
+                </a:solidFill>
                 <a:latin typeface="Microsoft JhengHei" panose="020B0604030504040204" pitchFamily="34" charset="-120"/>
                 <a:ea typeface="Microsoft JhengHei" panose="020B0604030504040204" pitchFamily="34" charset="-120"/>
               </a:rPr>
-              <a:t>主  我</a:t>
-            </a:r>
-            <a:r>
-              <a:rPr lang="zh-TW" altLang="en-US" sz="5400" b="1" dirty="0">
-                <a:latin typeface="Microsoft JhengHei" panose="020B0604030504040204" pitchFamily="34" charset="-120"/>
-                <a:ea typeface="Microsoft JhengHei" panose="020B0604030504040204" pitchFamily="34" charset="-120"/>
-              </a:rPr>
-              <a:t>的</a:t>
-            </a:r>
-            <a:r>
-              <a:rPr lang="zh-TW" altLang="en-US" sz="5400" b="1" dirty="0">
-                <a:latin typeface="Microsoft JhengHei" panose="020B0604030504040204" pitchFamily="34" charset="-120"/>
-                <a:ea typeface="Microsoft JhengHei" panose="020B0604030504040204" pitchFamily="34" charset="-120"/>
-              </a:rPr>
-              <a:t>王</a:t>
-            </a:r>
-            <a:endParaRPr lang="en-US" altLang="zh-TW" sz="5400" b="1" dirty="0">
-              <a:latin typeface="Microsoft JhengHei" panose="020B0604030504040204" pitchFamily="34" charset="-120"/>
-              <a:ea typeface="Microsoft JhengHei" panose="020B0604030504040204" pitchFamily="34" charset="-120"/>
-            </a:endParaRPr>
-          </a:p>
-          <a:p>
-            <a:pPr marL="0" indent="0" algn="ctr">
-              <a:buNone/>
-            </a:pPr>
-            <a:r>
-              <a:rPr lang="zh-TW" altLang="en-US" sz="5400" b="1" dirty="0">
-                <a:latin typeface="Microsoft JhengHei" panose="020B0604030504040204" pitchFamily="34" charset="-120"/>
-                <a:ea typeface="Microsoft JhengHei" panose="020B0604030504040204" pitchFamily="34" charset="-120"/>
-              </a:rPr>
-              <a:t>在</a:t>
-            </a:r>
-            <a:r>
-              <a:rPr lang="zh-TW" altLang="en-US" sz="5400" b="1" dirty="0">
-                <a:latin typeface="Microsoft JhengHei" panose="020B0604030504040204" pitchFamily="34" charset="-120"/>
-                <a:ea typeface="Microsoft JhengHei" panose="020B0604030504040204" pitchFamily="34" charset="-120"/>
-              </a:rPr>
-              <a:t>祂有救贖盼</a:t>
-            </a:r>
-            <a:r>
-              <a:rPr lang="zh-TW" altLang="en-US" sz="5400" b="1" dirty="0">
-                <a:latin typeface="Microsoft JhengHei" panose="020B0604030504040204" pitchFamily="34" charset="-120"/>
-                <a:ea typeface="Microsoft JhengHei" panose="020B0604030504040204" pitchFamily="34" charset="-120"/>
-              </a:rPr>
-              <a:t>望  祂</a:t>
-            </a:r>
-            <a:r>
-              <a:rPr lang="zh-TW" altLang="en-US" sz="5400" b="1" dirty="0">
-                <a:latin typeface="Microsoft JhengHei" panose="020B0604030504040204" pitchFamily="34" charset="-120"/>
-                <a:ea typeface="Microsoft JhengHei" panose="020B0604030504040204" pitchFamily="34" charset="-120"/>
-              </a:rPr>
-              <a:t>已掌權管理萬</a:t>
-            </a:r>
-            <a:r>
-              <a:rPr lang="zh-TW" altLang="en-US" sz="5400" b="1" dirty="0">
-                <a:latin typeface="Microsoft JhengHei" panose="020B0604030504040204" pitchFamily="34" charset="-120"/>
-                <a:ea typeface="Microsoft JhengHei" panose="020B0604030504040204" pitchFamily="34" charset="-120"/>
-              </a:rPr>
-              <a:t>邦</a:t>
-            </a:r>
-            <a:endParaRPr lang="en-US" altLang="zh-TW" sz="5400" b="1" dirty="0">
-              <a:latin typeface="Microsoft JhengHei" panose="020B0604030504040204" pitchFamily="34" charset="-120"/>
-              <a:ea typeface="Microsoft JhengHei" panose="020B0604030504040204" pitchFamily="34" charset="-120"/>
-            </a:endParaRPr>
-          </a:p>
-          <a:p>
-            <a:pPr marL="0" indent="0" algn="ctr">
-              <a:buNone/>
-            </a:pPr>
-            <a:r>
-              <a:rPr lang="zh-TW" altLang="en-US" sz="5400" b="1" dirty="0">
-                <a:latin typeface="Microsoft JhengHei" panose="020B0604030504040204" pitchFamily="34" charset="-120"/>
-                <a:ea typeface="Microsoft JhengHei" panose="020B0604030504040204" pitchFamily="34" charset="-120"/>
-              </a:rPr>
-              <a:t>我</a:t>
-            </a:r>
-            <a:r>
-              <a:rPr lang="zh-TW" altLang="en-US" sz="5400" b="1" dirty="0">
-                <a:latin typeface="Microsoft JhengHei" panose="020B0604030504040204" pitchFamily="34" charset="-120"/>
-                <a:ea typeface="Microsoft JhengHei" panose="020B0604030504040204" pitchFamily="34" charset="-120"/>
-              </a:rPr>
-              <a:t>的</a:t>
-            </a:r>
-            <a:r>
-              <a:rPr lang="zh-TW" altLang="en-US" sz="5400" b="1" dirty="0">
-                <a:latin typeface="Microsoft JhengHei" panose="020B0604030504040204" pitchFamily="34" charset="-120"/>
-                <a:ea typeface="Microsoft JhengHei" panose="020B0604030504040204" pitchFamily="34" charset="-120"/>
-              </a:rPr>
-              <a:t>主  我</a:t>
-            </a:r>
-            <a:r>
-              <a:rPr lang="zh-TW" altLang="en-US" sz="5400" b="1" dirty="0">
-                <a:latin typeface="Microsoft JhengHei" panose="020B0604030504040204" pitchFamily="34" charset="-120"/>
-                <a:ea typeface="Microsoft JhengHei" panose="020B0604030504040204" pitchFamily="34" charset="-120"/>
-              </a:rPr>
-              <a:t>的</a:t>
-            </a:r>
-            <a:r>
-              <a:rPr lang="zh-TW" altLang="en-US" sz="5400" b="1" dirty="0">
-                <a:latin typeface="Microsoft JhengHei" panose="020B0604030504040204" pitchFamily="34" charset="-120"/>
-                <a:ea typeface="Microsoft JhengHei" panose="020B0604030504040204" pitchFamily="34" charset="-120"/>
-              </a:rPr>
-              <a:t>王</a:t>
-            </a:r>
-            <a:endParaRPr lang="en-US" altLang="zh-TW" sz="5400" b="1" dirty="0">
-              <a:latin typeface="Microsoft JhengHei" panose="020B0604030504040204" pitchFamily="34" charset="-120"/>
-              <a:ea typeface="Microsoft JhengHei" panose="020B0604030504040204" pitchFamily="34" charset="-120"/>
-            </a:endParaRPr>
-          </a:p>
-          <a:p>
-            <a:pPr marL="0" indent="0" algn="ctr">
-              <a:buNone/>
-            </a:pPr>
-            <a:r>
-              <a:rPr lang="zh-TW" altLang="en-US" sz="5400" b="1" dirty="0">
-                <a:latin typeface="Microsoft JhengHei" panose="020B0604030504040204" pitchFamily="34" charset="-120"/>
-                <a:ea typeface="Microsoft JhengHei" panose="020B0604030504040204" pitchFamily="34" charset="-120"/>
-              </a:rPr>
-              <a:t>祂</a:t>
-            </a:r>
-            <a:r>
-              <a:rPr lang="zh-TW" altLang="en-US" sz="5400" b="1" dirty="0">
-                <a:latin typeface="Microsoft JhengHei" panose="020B0604030504040204" pitchFamily="34" charset="-120"/>
-                <a:ea typeface="Microsoft JhengHei" panose="020B0604030504040204" pitchFamily="34" charset="-120"/>
-              </a:rPr>
-              <a:t>確是生命橋</a:t>
-            </a:r>
-            <a:r>
-              <a:rPr lang="zh-TW" altLang="en-US" sz="5400" b="1" dirty="0">
-                <a:latin typeface="Microsoft JhengHei" panose="020B0604030504040204" pitchFamily="34" charset="-120"/>
-                <a:ea typeface="Microsoft JhengHei" panose="020B0604030504040204" pitchFamily="34" charset="-120"/>
-              </a:rPr>
-              <a:t>樑  萬</a:t>
-            </a:r>
-            <a:r>
-              <a:rPr lang="zh-TW" altLang="en-US" sz="5400" b="1" dirty="0">
-                <a:latin typeface="Microsoft JhengHei" panose="020B0604030504040204" pitchFamily="34" charset="-120"/>
-                <a:ea typeface="Microsoft JhengHei" panose="020B0604030504040204" pitchFamily="34" charset="-120"/>
-              </a:rPr>
-              <a:t>主之</a:t>
-            </a:r>
-            <a:r>
-              <a:rPr lang="zh-TW" altLang="en-US" sz="5400" b="1" dirty="0">
-                <a:latin typeface="Microsoft JhengHei" panose="020B0604030504040204" pitchFamily="34" charset="-120"/>
-                <a:ea typeface="Microsoft JhengHei" panose="020B0604030504040204" pitchFamily="34" charset="-120"/>
-              </a:rPr>
-              <a:t>主  萬</a:t>
-            </a:r>
-            <a:r>
-              <a:rPr lang="zh-TW" altLang="en-US" sz="5400" b="1" dirty="0">
-                <a:latin typeface="Microsoft JhengHei" panose="020B0604030504040204" pitchFamily="34" charset="-120"/>
-                <a:ea typeface="Microsoft JhengHei" panose="020B0604030504040204" pitchFamily="34" charset="-120"/>
-              </a:rPr>
-              <a:t>王之</a:t>
-            </a:r>
-            <a:r>
-              <a:rPr lang="zh-TW" altLang="en-US" sz="5400" b="1" dirty="0">
-                <a:latin typeface="Microsoft JhengHei" panose="020B0604030504040204" pitchFamily="34" charset="-120"/>
-                <a:ea typeface="Microsoft JhengHei" panose="020B0604030504040204" pitchFamily="34" charset="-120"/>
-              </a:rPr>
-              <a:t>王</a:t>
-            </a:r>
-            <a:endParaRPr lang="vi-VN" sz="5400" b="1" dirty="0">
-              <a:latin typeface="Microsoft JhengHei" panose="020B0604030504040204" pitchFamily="34" charset="-120"/>
+              <a:t> )</a:t>
+            </a:r>
+            <a:endParaRPr lang="vi-VN" sz="3733" b="1" dirty="0">
+              <a:solidFill>
+                <a:srgbClr val="660033"/>
+              </a:solidFill>
               <a:ea typeface="Microsoft JhengHei" panose="020B0604030504040204" pitchFamily="34" charset="-120"/>
             </a:endParaRPr>
           </a:p>
@@ -3825,7 +4069,913 @@
     </p:spTree>
     <p:extLst>
       <p:ext uri="{BB962C8B-B14F-4D97-AF65-F5344CB8AC3E}">
-        <p14:creationId xmlns:p14="http://schemas.microsoft.com/office/powerpoint/2010/main" val="3837292170"/>
+        <p14:creationId xmlns:p14="http://schemas.microsoft.com/office/powerpoint/2010/main" val="548959528"/>
+      </p:ext>
+    </p:extLst>
+  </p:cSld>
+  <p:clrMapOvr>
+    <a:masterClrMapping/>
+  </p:clrMapOvr>
+</p:sld>
+</file>
+
+<file path=ppt/slides/slide4.xml><?xml version="1.0" encoding="utf-8"?>
+<p:sld xmlns:a="http://schemas.openxmlformats.org/drawingml/2006/main" xmlns:r="http://schemas.openxmlformats.org/officeDocument/2006/relationships" xmlns:p="http://schemas.openxmlformats.org/presentationml/2006/main">
+  <p:cSld>
+    <p:spTree>
+      <p:nvGrpSpPr>
+        <p:cNvPr id="1" name=""/>
+        <p:cNvGrpSpPr/>
+        <p:nvPr/>
+      </p:nvGrpSpPr>
+      <p:grpSpPr>
+        <a:xfrm>
+          <a:off x="0" y="0"/>
+          <a:ext cx="0" cy="0"/>
+          <a:chOff x="0" y="0"/>
+          <a:chExt cx="0" cy="0"/>
+        </a:xfrm>
+      </p:grpSpPr>
+      <p:sp>
+        <p:nvSpPr>
+          <p:cNvPr id="5" name="內容版面配置區 4"/>
+          <p:cNvSpPr>
+            <a:spLocks noGrp="1"/>
+          </p:cNvSpPr>
+          <p:nvPr>
+            <p:ph idx="1"/>
+          </p:nvPr>
+        </p:nvSpPr>
+        <p:spPr>
+          <a:xfrm>
+            <a:off x="0" y="2084851"/>
+            <a:ext cx="12192000" cy="2404863"/>
+          </a:xfrm>
+        </p:spPr>
+        <p:txBody>
+          <a:bodyPr anchor="ctr">
+            <a:normAutofit/>
+          </a:bodyPr>
+          <a:lstStyle/>
+          <a:p>
+            <a:pPr marL="0" indent="0" algn="ctr">
+              <a:buNone/>
+            </a:pPr>
+            <a:r>
+              <a:rPr lang="zh-TW" altLang="en-US" sz="6400" b="1" dirty="0">
+                <a:solidFill>
+                  <a:srgbClr val="660033"/>
+                </a:solidFill>
+                <a:latin typeface="微軟正黑體" pitchFamily="34" charset="-120"/>
+                <a:ea typeface="微軟正黑體" pitchFamily="34" charset="-120"/>
+              </a:rPr>
+              <a:t>代替我成為受死羔羊</a:t>
+            </a:r>
+            <a:endParaRPr lang="en-US" altLang="zh-TW" sz="6400" b="1" dirty="0">
+              <a:solidFill>
+                <a:srgbClr val="660033"/>
+              </a:solidFill>
+              <a:latin typeface="微軟正黑體" pitchFamily="34" charset="-120"/>
+              <a:ea typeface="微軟正黑體" pitchFamily="34" charset="-120"/>
+            </a:endParaRPr>
+          </a:p>
+        </p:txBody>
+      </p:sp>
+      <p:sp>
+        <p:nvSpPr>
+          <p:cNvPr id="3" name="TextBox 2"/>
+          <p:cNvSpPr txBox="1"/>
+          <p:nvPr/>
+        </p:nvSpPr>
+        <p:spPr>
+          <a:xfrm>
+            <a:off x="0" y="5157192"/>
+            <a:ext cx="12192000" cy="666786"/>
+          </a:xfrm>
+          <a:prstGeom prst="rect">
+            <a:avLst/>
+          </a:prstGeom>
+          <a:noFill/>
+        </p:spPr>
+        <p:txBody>
+          <a:bodyPr wrap="square" rtlCol="0">
+            <a:spAutoFit/>
+          </a:bodyPr>
+          <a:lstStyle/>
+          <a:p>
+            <a:pPr algn="ctr"/>
+            <a:r>
+              <a:rPr lang="en-US" sz="3733" b="1" dirty="0">
+                <a:solidFill>
+                  <a:srgbClr val="660033"/>
+                </a:solidFill>
+                <a:latin typeface="Microsoft JhengHei" panose="020B0604030504040204" pitchFamily="34" charset="-120"/>
+                <a:ea typeface="Microsoft JhengHei" panose="020B0604030504040204" pitchFamily="34" charset="-120"/>
+              </a:rPr>
+              <a:t>( </a:t>
+            </a:r>
+            <a:r>
+              <a:rPr lang="zh-CN" altLang="en-US" sz="3733" b="1" dirty="0">
+                <a:solidFill>
+                  <a:srgbClr val="660033"/>
+                </a:solidFill>
+                <a:latin typeface="Microsoft JhengHei" panose="020B0604030504040204" pitchFamily="34" charset="-120"/>
+                <a:ea typeface="Microsoft JhengHei" panose="020B0604030504040204" pitchFamily="34" charset="-120"/>
+              </a:rPr>
+              <a:t>正</a:t>
+            </a:r>
+            <a:r>
+              <a:rPr lang="en-US" sz="3733" b="1" dirty="0">
+                <a:solidFill>
+                  <a:srgbClr val="660033"/>
+                </a:solidFill>
+                <a:latin typeface="Microsoft JhengHei" panose="020B0604030504040204" pitchFamily="34" charset="-120"/>
+                <a:ea typeface="Microsoft JhengHei" panose="020B0604030504040204" pitchFamily="34" charset="-120"/>
+              </a:rPr>
+              <a:t> )</a:t>
+            </a:r>
+            <a:endParaRPr lang="vi-VN" sz="3733" b="1" dirty="0">
+              <a:solidFill>
+                <a:srgbClr val="660033"/>
+              </a:solidFill>
+              <a:ea typeface="Microsoft JhengHei" panose="020B0604030504040204" pitchFamily="34" charset="-120"/>
+            </a:endParaRPr>
+          </a:p>
+        </p:txBody>
+      </p:sp>
+    </p:spTree>
+    <p:extLst>
+      <p:ext uri="{BB962C8B-B14F-4D97-AF65-F5344CB8AC3E}">
+        <p14:creationId xmlns:p14="http://schemas.microsoft.com/office/powerpoint/2010/main" val="1799268069"/>
+      </p:ext>
+    </p:extLst>
+  </p:cSld>
+  <p:clrMapOvr>
+    <a:masterClrMapping/>
+  </p:clrMapOvr>
+</p:sld>
+</file>
+
+<file path=ppt/slides/slide5.xml><?xml version="1.0" encoding="utf-8"?>
+<p:sld xmlns:a="http://schemas.openxmlformats.org/drawingml/2006/main" xmlns:r="http://schemas.openxmlformats.org/officeDocument/2006/relationships" xmlns:p="http://schemas.openxmlformats.org/presentationml/2006/main">
+  <p:cSld>
+    <p:spTree>
+      <p:nvGrpSpPr>
+        <p:cNvPr id="1" name=""/>
+        <p:cNvGrpSpPr/>
+        <p:nvPr/>
+      </p:nvGrpSpPr>
+      <p:grpSpPr>
+        <a:xfrm>
+          <a:off x="0" y="0"/>
+          <a:ext cx="0" cy="0"/>
+          <a:chOff x="0" y="0"/>
+          <a:chExt cx="0" cy="0"/>
+        </a:xfrm>
+      </p:grpSpPr>
+      <p:sp>
+        <p:nvSpPr>
+          <p:cNvPr id="5" name="內容版面配置區 4"/>
+          <p:cNvSpPr>
+            <a:spLocks noGrp="1"/>
+          </p:cNvSpPr>
+          <p:nvPr>
+            <p:ph idx="1"/>
+          </p:nvPr>
+        </p:nvSpPr>
+        <p:spPr>
+          <a:xfrm>
+            <a:off x="0" y="2084851"/>
+            <a:ext cx="12192000" cy="2404863"/>
+          </a:xfrm>
+        </p:spPr>
+        <p:txBody>
+          <a:bodyPr anchor="ctr">
+            <a:normAutofit/>
+          </a:bodyPr>
+          <a:lstStyle/>
+          <a:p>
+            <a:pPr marL="0" indent="0" algn="ctr">
+              <a:buNone/>
+            </a:pPr>
+            <a:r>
+              <a:rPr lang="zh-TW" altLang="en-US" sz="6400" b="1" dirty="0">
+                <a:solidFill>
+                  <a:srgbClr val="660033"/>
+                </a:solidFill>
+                <a:latin typeface="微軟正黑體" pitchFamily="34" charset="-120"/>
+                <a:ea typeface="微軟正黑體" pitchFamily="34" charset="-120"/>
+              </a:rPr>
+              <a:t>就在第三日的清</a:t>
+            </a:r>
+            <a:r>
+              <a:rPr lang="zh-TW" altLang="en-US" sz="6400" b="1" dirty="0">
+                <a:solidFill>
+                  <a:srgbClr val="660033"/>
+                </a:solidFill>
+                <a:latin typeface="微軟正黑體" pitchFamily="34" charset="-120"/>
+                <a:ea typeface="微軟正黑體" pitchFamily="34" charset="-120"/>
+              </a:rPr>
+              <a:t>晨</a:t>
+            </a:r>
+            <a:endParaRPr lang="en-US" altLang="zh-TW" sz="6400" b="1" dirty="0">
+              <a:solidFill>
+                <a:srgbClr val="660033"/>
+              </a:solidFill>
+              <a:latin typeface="微軟正黑體" pitchFamily="34" charset="-120"/>
+              <a:ea typeface="微軟正黑體" pitchFamily="34" charset="-120"/>
+            </a:endParaRPr>
+          </a:p>
+          <a:p>
+            <a:pPr marL="0" indent="0" algn="ctr">
+              <a:buNone/>
+            </a:pPr>
+            <a:r>
+              <a:rPr lang="zh-TW" altLang="en-US" sz="6400" b="1" dirty="0">
+                <a:solidFill>
+                  <a:srgbClr val="660033"/>
+                </a:solidFill>
+                <a:latin typeface="微軟正黑體" pitchFamily="34" charset="-120"/>
+                <a:ea typeface="微軟正黑體" pitchFamily="34" charset="-120"/>
+              </a:rPr>
+              <a:t>空</a:t>
+            </a:r>
+            <a:r>
+              <a:rPr lang="zh-TW" altLang="en-US" sz="6400" b="1" dirty="0">
+                <a:solidFill>
+                  <a:srgbClr val="660033"/>
+                </a:solidFill>
+                <a:latin typeface="微軟正黑體" pitchFamily="34" charset="-120"/>
+                <a:ea typeface="微軟正黑體" pitchFamily="34" charset="-120"/>
+              </a:rPr>
+              <a:t>的墳墓向我證明</a:t>
+            </a:r>
+            <a:endParaRPr lang="en-US" altLang="zh-TW" sz="6400" b="1" dirty="0">
+              <a:solidFill>
+                <a:srgbClr val="660033"/>
+              </a:solidFill>
+              <a:latin typeface="微軟正黑體" pitchFamily="34" charset="-120"/>
+              <a:ea typeface="微軟正黑體" pitchFamily="34" charset="-120"/>
+            </a:endParaRPr>
+          </a:p>
+        </p:txBody>
+      </p:sp>
+      <p:sp>
+        <p:nvSpPr>
+          <p:cNvPr id="3" name="TextBox 2"/>
+          <p:cNvSpPr txBox="1"/>
+          <p:nvPr/>
+        </p:nvSpPr>
+        <p:spPr>
+          <a:xfrm>
+            <a:off x="0" y="5157192"/>
+            <a:ext cx="12192000" cy="666786"/>
+          </a:xfrm>
+          <a:prstGeom prst="rect">
+            <a:avLst/>
+          </a:prstGeom>
+          <a:noFill/>
+        </p:spPr>
+        <p:txBody>
+          <a:bodyPr wrap="square" rtlCol="0">
+            <a:spAutoFit/>
+          </a:bodyPr>
+          <a:lstStyle/>
+          <a:p>
+            <a:pPr algn="ctr"/>
+            <a:r>
+              <a:rPr lang="en-US" sz="3733" b="1" dirty="0">
+                <a:solidFill>
+                  <a:srgbClr val="660033"/>
+                </a:solidFill>
+                <a:latin typeface="Microsoft JhengHei" panose="020B0604030504040204" pitchFamily="34" charset="-120"/>
+                <a:ea typeface="Microsoft JhengHei" panose="020B0604030504040204" pitchFamily="34" charset="-120"/>
+              </a:rPr>
+              <a:t>( </a:t>
+            </a:r>
+            <a:r>
+              <a:rPr lang="zh-CN" altLang="en-US" sz="3733" b="1" dirty="0">
+                <a:solidFill>
+                  <a:srgbClr val="660033"/>
+                </a:solidFill>
+                <a:latin typeface="Microsoft JhengHei" panose="020B0604030504040204" pitchFamily="34" charset="-120"/>
+                <a:ea typeface="Microsoft JhengHei" panose="020B0604030504040204" pitchFamily="34" charset="-120"/>
+              </a:rPr>
+              <a:t>副</a:t>
+            </a:r>
+            <a:r>
+              <a:rPr lang="en-US" sz="3733" b="1" dirty="0">
+                <a:solidFill>
+                  <a:srgbClr val="660033"/>
+                </a:solidFill>
+                <a:latin typeface="Microsoft JhengHei" panose="020B0604030504040204" pitchFamily="34" charset="-120"/>
+                <a:ea typeface="Microsoft JhengHei" panose="020B0604030504040204" pitchFamily="34" charset="-120"/>
+              </a:rPr>
+              <a:t> )</a:t>
+            </a:r>
+            <a:endParaRPr lang="vi-VN" sz="3733" b="1" dirty="0">
+              <a:solidFill>
+                <a:srgbClr val="660033"/>
+              </a:solidFill>
+              <a:ea typeface="Microsoft JhengHei" panose="020B0604030504040204" pitchFamily="34" charset="-120"/>
+            </a:endParaRPr>
+          </a:p>
+        </p:txBody>
+      </p:sp>
+    </p:spTree>
+    <p:extLst>
+      <p:ext uri="{BB962C8B-B14F-4D97-AF65-F5344CB8AC3E}">
+        <p14:creationId xmlns:p14="http://schemas.microsoft.com/office/powerpoint/2010/main" val="3008709725"/>
+      </p:ext>
+    </p:extLst>
+  </p:cSld>
+  <p:clrMapOvr>
+    <a:masterClrMapping/>
+  </p:clrMapOvr>
+</p:sld>
+</file>
+
+<file path=ppt/slides/slide6.xml><?xml version="1.0" encoding="utf-8"?>
+<p:sld xmlns:a="http://schemas.openxmlformats.org/drawingml/2006/main" xmlns:r="http://schemas.openxmlformats.org/officeDocument/2006/relationships" xmlns:p="http://schemas.openxmlformats.org/presentationml/2006/main">
+  <p:cSld>
+    <p:spTree>
+      <p:nvGrpSpPr>
+        <p:cNvPr id="1" name=""/>
+        <p:cNvGrpSpPr/>
+        <p:nvPr/>
+      </p:nvGrpSpPr>
+      <p:grpSpPr>
+        <a:xfrm>
+          <a:off x="0" y="0"/>
+          <a:ext cx="0" cy="0"/>
+          <a:chOff x="0" y="0"/>
+          <a:chExt cx="0" cy="0"/>
+        </a:xfrm>
+      </p:grpSpPr>
+      <p:sp>
+        <p:nvSpPr>
+          <p:cNvPr id="5" name="內容版面配置區 4"/>
+          <p:cNvSpPr>
+            <a:spLocks noGrp="1"/>
+          </p:cNvSpPr>
+          <p:nvPr>
+            <p:ph idx="1"/>
+          </p:nvPr>
+        </p:nvSpPr>
+        <p:spPr>
+          <a:xfrm>
+            <a:off x="0" y="2084851"/>
+            <a:ext cx="12192000" cy="2404863"/>
+          </a:xfrm>
+        </p:spPr>
+        <p:txBody>
+          <a:bodyPr anchor="ctr">
+            <a:normAutofit/>
+          </a:bodyPr>
+          <a:lstStyle/>
+          <a:p>
+            <a:pPr marL="0" indent="0" algn="ctr">
+              <a:buNone/>
+            </a:pPr>
+            <a:r>
+              <a:rPr lang="zh-TW" altLang="en-US" sz="6400" b="1" dirty="0">
+                <a:solidFill>
+                  <a:srgbClr val="660033"/>
+                </a:solidFill>
+                <a:latin typeface="微軟正黑體" pitchFamily="34" charset="-120"/>
+                <a:ea typeface="微軟正黑體" pitchFamily="34" charset="-120"/>
+              </a:rPr>
+              <a:t>戰勝死亡  祂是復活的主</a:t>
+            </a:r>
+            <a:endParaRPr lang="en-US" altLang="zh-TW" sz="6400" b="1" dirty="0">
+              <a:solidFill>
+                <a:srgbClr val="660033"/>
+              </a:solidFill>
+              <a:latin typeface="微軟正黑體" pitchFamily="34" charset="-120"/>
+              <a:ea typeface="微軟正黑體" pitchFamily="34" charset="-120"/>
+            </a:endParaRPr>
+          </a:p>
+        </p:txBody>
+      </p:sp>
+      <p:sp>
+        <p:nvSpPr>
+          <p:cNvPr id="3" name="TextBox 2"/>
+          <p:cNvSpPr txBox="1"/>
+          <p:nvPr/>
+        </p:nvSpPr>
+        <p:spPr>
+          <a:xfrm>
+            <a:off x="0" y="5157192"/>
+            <a:ext cx="12192000" cy="666786"/>
+          </a:xfrm>
+          <a:prstGeom prst="rect">
+            <a:avLst/>
+          </a:prstGeom>
+          <a:noFill/>
+        </p:spPr>
+        <p:txBody>
+          <a:bodyPr wrap="square" rtlCol="0">
+            <a:spAutoFit/>
+          </a:bodyPr>
+          <a:lstStyle/>
+          <a:p>
+            <a:pPr algn="ctr"/>
+            <a:r>
+              <a:rPr lang="en-US" sz="3733" b="1" dirty="0">
+                <a:solidFill>
+                  <a:srgbClr val="660033"/>
+                </a:solidFill>
+                <a:latin typeface="Microsoft JhengHei" panose="020B0604030504040204" pitchFamily="34" charset="-120"/>
+                <a:ea typeface="Microsoft JhengHei" panose="020B0604030504040204" pitchFamily="34" charset="-120"/>
+              </a:rPr>
+              <a:t>( </a:t>
+            </a:r>
+            <a:r>
+              <a:rPr lang="zh-CN" altLang="en-US" sz="3733" b="1" dirty="0">
+                <a:solidFill>
+                  <a:srgbClr val="660033"/>
+                </a:solidFill>
+                <a:latin typeface="Microsoft JhengHei" panose="020B0604030504040204" pitchFamily="34" charset="-120"/>
+                <a:ea typeface="Microsoft JhengHei" panose="020B0604030504040204" pitchFamily="34" charset="-120"/>
+              </a:rPr>
+              <a:t>副</a:t>
+            </a:r>
+            <a:r>
+              <a:rPr lang="en-US" sz="3733" b="1" dirty="0">
+                <a:solidFill>
+                  <a:srgbClr val="660033"/>
+                </a:solidFill>
+                <a:latin typeface="Microsoft JhengHei" panose="020B0604030504040204" pitchFamily="34" charset="-120"/>
+                <a:ea typeface="Microsoft JhengHei" panose="020B0604030504040204" pitchFamily="34" charset="-120"/>
+              </a:rPr>
+              <a:t> )</a:t>
+            </a:r>
+            <a:endParaRPr lang="vi-VN" sz="3733" b="1" dirty="0">
+              <a:solidFill>
+                <a:srgbClr val="660033"/>
+              </a:solidFill>
+              <a:ea typeface="Microsoft JhengHei" panose="020B0604030504040204" pitchFamily="34" charset="-120"/>
+            </a:endParaRPr>
+          </a:p>
+        </p:txBody>
+      </p:sp>
+    </p:spTree>
+    <p:extLst>
+      <p:ext uri="{BB962C8B-B14F-4D97-AF65-F5344CB8AC3E}">
+        <p14:creationId xmlns:p14="http://schemas.microsoft.com/office/powerpoint/2010/main" val="390060607"/>
+      </p:ext>
+    </p:extLst>
+  </p:cSld>
+  <p:clrMapOvr>
+    <a:masterClrMapping/>
+  </p:clrMapOvr>
+</p:sld>
+</file>
+
+<file path=ppt/slides/slide7.xml><?xml version="1.0" encoding="utf-8"?>
+<p:sld xmlns:a="http://schemas.openxmlformats.org/drawingml/2006/main" xmlns:r="http://schemas.openxmlformats.org/officeDocument/2006/relationships" xmlns:p="http://schemas.openxmlformats.org/presentationml/2006/main">
+  <p:cSld>
+    <p:spTree>
+      <p:nvGrpSpPr>
+        <p:cNvPr id="1" name=""/>
+        <p:cNvGrpSpPr/>
+        <p:nvPr/>
+      </p:nvGrpSpPr>
+      <p:grpSpPr>
+        <a:xfrm>
+          <a:off x="0" y="0"/>
+          <a:ext cx="0" cy="0"/>
+          <a:chOff x="0" y="0"/>
+          <a:chExt cx="0" cy="0"/>
+        </a:xfrm>
+      </p:grpSpPr>
+      <p:sp>
+        <p:nvSpPr>
+          <p:cNvPr id="5" name="內容版面配置區 4"/>
+          <p:cNvSpPr>
+            <a:spLocks noGrp="1"/>
+          </p:cNvSpPr>
+          <p:nvPr>
+            <p:ph idx="1"/>
+          </p:nvPr>
+        </p:nvSpPr>
+        <p:spPr>
+          <a:xfrm>
+            <a:off x="0" y="2084851"/>
+            <a:ext cx="12192000" cy="2404863"/>
+          </a:xfrm>
+        </p:spPr>
+        <p:txBody>
+          <a:bodyPr anchor="ctr">
+            <a:normAutofit/>
+          </a:bodyPr>
+          <a:lstStyle/>
+          <a:p>
+            <a:pPr marL="0" indent="0" algn="ctr">
+              <a:buNone/>
+            </a:pPr>
+            <a:r>
+              <a:rPr lang="zh-TW" altLang="en-US" sz="6400" b="1" dirty="0">
+                <a:solidFill>
+                  <a:srgbClr val="660033"/>
+                </a:solidFill>
+                <a:latin typeface="微軟正黑體" pitchFamily="34" charset="-120"/>
+                <a:ea typeface="微軟正黑體" pitchFamily="34" charset="-120"/>
+              </a:rPr>
+              <a:t>新的國度新的希</a:t>
+            </a:r>
+            <a:r>
+              <a:rPr lang="zh-TW" altLang="en-US" sz="6400" b="1" dirty="0">
+                <a:solidFill>
+                  <a:srgbClr val="660033"/>
+                </a:solidFill>
+                <a:latin typeface="微軟正黑體" pitchFamily="34" charset="-120"/>
+                <a:ea typeface="微軟正黑體" pitchFamily="34" charset="-120"/>
+              </a:rPr>
+              <a:t>望</a:t>
+            </a:r>
+            <a:endParaRPr lang="en-US" altLang="zh-TW" sz="6400" b="1" dirty="0">
+              <a:solidFill>
+                <a:srgbClr val="660033"/>
+              </a:solidFill>
+              <a:latin typeface="微軟正黑體" pitchFamily="34" charset="-120"/>
+              <a:ea typeface="微軟正黑體" pitchFamily="34" charset="-120"/>
+            </a:endParaRPr>
+          </a:p>
+          <a:p>
+            <a:pPr marL="0" indent="0" algn="ctr">
+              <a:buNone/>
+            </a:pPr>
+            <a:r>
+              <a:rPr lang="zh-TW" altLang="en-US" sz="6400" b="1" dirty="0">
+                <a:solidFill>
+                  <a:srgbClr val="660033"/>
+                </a:solidFill>
+                <a:latin typeface="微軟正黑體" pitchFamily="34" charset="-120"/>
+                <a:ea typeface="微軟正黑體" pitchFamily="34" charset="-120"/>
+              </a:rPr>
+              <a:t>死</a:t>
+            </a:r>
+            <a:r>
+              <a:rPr lang="zh-TW" altLang="en-US" sz="6400" b="1" dirty="0">
+                <a:solidFill>
+                  <a:srgbClr val="660033"/>
+                </a:solidFill>
+                <a:latin typeface="微軟正黑體" pitchFamily="34" charset="-120"/>
+                <a:ea typeface="微軟正黑體" pitchFamily="34" charset="-120"/>
+              </a:rPr>
+              <a:t>亡不再對我捆綁</a:t>
+            </a:r>
+            <a:endParaRPr lang="en-US" altLang="zh-TW" sz="6400" b="1" dirty="0">
+              <a:solidFill>
+                <a:srgbClr val="660033"/>
+              </a:solidFill>
+              <a:latin typeface="微軟正黑體" pitchFamily="34" charset="-120"/>
+              <a:ea typeface="微軟正黑體" pitchFamily="34" charset="-120"/>
+            </a:endParaRPr>
+          </a:p>
+        </p:txBody>
+      </p:sp>
+      <p:sp>
+        <p:nvSpPr>
+          <p:cNvPr id="3" name="TextBox 2"/>
+          <p:cNvSpPr txBox="1"/>
+          <p:nvPr/>
+        </p:nvSpPr>
+        <p:spPr>
+          <a:xfrm>
+            <a:off x="0" y="5157192"/>
+            <a:ext cx="12192000" cy="666786"/>
+          </a:xfrm>
+          <a:prstGeom prst="rect">
+            <a:avLst/>
+          </a:prstGeom>
+          <a:noFill/>
+        </p:spPr>
+        <p:txBody>
+          <a:bodyPr wrap="square" rtlCol="0">
+            <a:spAutoFit/>
+          </a:bodyPr>
+          <a:lstStyle/>
+          <a:p>
+            <a:pPr algn="ctr"/>
+            <a:r>
+              <a:rPr lang="en-US" sz="3733" b="1" dirty="0">
+                <a:solidFill>
+                  <a:srgbClr val="660033"/>
+                </a:solidFill>
+                <a:latin typeface="Microsoft JhengHei" panose="020B0604030504040204" pitchFamily="34" charset="-120"/>
+                <a:ea typeface="Microsoft JhengHei" panose="020B0604030504040204" pitchFamily="34" charset="-120"/>
+              </a:rPr>
+              <a:t>( </a:t>
+            </a:r>
+            <a:r>
+              <a:rPr lang="zh-CN" altLang="en-US" sz="3733" b="1" dirty="0">
+                <a:solidFill>
+                  <a:srgbClr val="660033"/>
+                </a:solidFill>
+                <a:latin typeface="Microsoft JhengHei" panose="020B0604030504040204" pitchFamily="34" charset="-120"/>
+                <a:ea typeface="Microsoft JhengHei" panose="020B0604030504040204" pitchFamily="34" charset="-120"/>
+              </a:rPr>
+              <a:t>副</a:t>
+            </a:r>
+            <a:r>
+              <a:rPr lang="en-US" sz="3733" b="1" dirty="0">
+                <a:solidFill>
+                  <a:srgbClr val="660033"/>
+                </a:solidFill>
+                <a:latin typeface="Microsoft JhengHei" panose="020B0604030504040204" pitchFamily="34" charset="-120"/>
+                <a:ea typeface="Microsoft JhengHei" panose="020B0604030504040204" pitchFamily="34" charset="-120"/>
+              </a:rPr>
+              <a:t> )</a:t>
+            </a:r>
+            <a:endParaRPr lang="vi-VN" sz="3733" b="1" dirty="0">
+              <a:solidFill>
+                <a:srgbClr val="660033"/>
+              </a:solidFill>
+              <a:ea typeface="Microsoft JhengHei" panose="020B0604030504040204" pitchFamily="34" charset="-120"/>
+            </a:endParaRPr>
+          </a:p>
+        </p:txBody>
+      </p:sp>
+    </p:spTree>
+    <p:extLst>
+      <p:ext uri="{BB962C8B-B14F-4D97-AF65-F5344CB8AC3E}">
+        <p14:creationId xmlns:p14="http://schemas.microsoft.com/office/powerpoint/2010/main" val="4191929106"/>
+      </p:ext>
+    </p:extLst>
+  </p:cSld>
+  <p:clrMapOvr>
+    <a:masterClrMapping/>
+  </p:clrMapOvr>
+</p:sld>
+</file>
+
+<file path=ppt/slides/slide8.xml><?xml version="1.0" encoding="utf-8"?>
+<p:sld xmlns:a="http://schemas.openxmlformats.org/drawingml/2006/main" xmlns:r="http://schemas.openxmlformats.org/officeDocument/2006/relationships" xmlns:p="http://schemas.openxmlformats.org/presentationml/2006/main">
+  <p:cSld>
+    <p:spTree>
+      <p:nvGrpSpPr>
+        <p:cNvPr id="1" name=""/>
+        <p:cNvGrpSpPr/>
+        <p:nvPr/>
+      </p:nvGrpSpPr>
+      <p:grpSpPr>
+        <a:xfrm>
+          <a:off x="0" y="0"/>
+          <a:ext cx="0" cy="0"/>
+          <a:chOff x="0" y="0"/>
+          <a:chExt cx="0" cy="0"/>
+        </a:xfrm>
+      </p:grpSpPr>
+      <p:sp>
+        <p:nvSpPr>
+          <p:cNvPr id="5" name="內容版面配置區 4"/>
+          <p:cNvSpPr>
+            <a:spLocks noGrp="1"/>
+          </p:cNvSpPr>
+          <p:nvPr>
+            <p:ph idx="1"/>
+          </p:nvPr>
+        </p:nvSpPr>
+        <p:spPr>
+          <a:xfrm>
+            <a:off x="0" y="2084851"/>
+            <a:ext cx="12192000" cy="2404863"/>
+          </a:xfrm>
+        </p:spPr>
+        <p:txBody>
+          <a:bodyPr anchor="ctr">
+            <a:normAutofit/>
+          </a:bodyPr>
+          <a:lstStyle/>
+          <a:p>
+            <a:pPr marL="0" indent="0" algn="ctr">
+              <a:buNone/>
+            </a:pPr>
+            <a:r>
+              <a:rPr lang="zh-TW" altLang="en-US" sz="6400" b="1" dirty="0">
+                <a:solidFill>
+                  <a:srgbClr val="660033"/>
+                </a:solidFill>
+                <a:latin typeface="微軟正黑體" pitchFamily="34" charset="-120"/>
+                <a:ea typeface="微軟正黑體" pitchFamily="34" charset="-120"/>
+              </a:rPr>
+              <a:t>哈利路亞  祂是復活的主</a:t>
+            </a:r>
+            <a:endParaRPr lang="vi-VN" sz="6400" b="1" dirty="0">
+              <a:solidFill>
+                <a:srgbClr val="660033"/>
+              </a:solidFill>
+              <a:latin typeface="微軟正黑體" pitchFamily="34" charset="-120"/>
+              <a:ea typeface="微軟正黑體" pitchFamily="34" charset="-120"/>
+            </a:endParaRPr>
+          </a:p>
+        </p:txBody>
+      </p:sp>
+      <p:sp>
+        <p:nvSpPr>
+          <p:cNvPr id="3" name="TextBox 2"/>
+          <p:cNvSpPr txBox="1"/>
+          <p:nvPr/>
+        </p:nvSpPr>
+        <p:spPr>
+          <a:xfrm>
+            <a:off x="0" y="5157192"/>
+            <a:ext cx="12192000" cy="666786"/>
+          </a:xfrm>
+          <a:prstGeom prst="rect">
+            <a:avLst/>
+          </a:prstGeom>
+          <a:noFill/>
+        </p:spPr>
+        <p:txBody>
+          <a:bodyPr wrap="square" rtlCol="0">
+            <a:spAutoFit/>
+          </a:bodyPr>
+          <a:lstStyle/>
+          <a:p>
+            <a:pPr algn="ctr"/>
+            <a:r>
+              <a:rPr lang="en-US" sz="3733" b="1" dirty="0">
+                <a:solidFill>
+                  <a:srgbClr val="660033"/>
+                </a:solidFill>
+                <a:latin typeface="Microsoft JhengHei" panose="020B0604030504040204" pitchFamily="34" charset="-120"/>
+                <a:ea typeface="Microsoft JhengHei" panose="020B0604030504040204" pitchFamily="34" charset="-120"/>
+              </a:rPr>
+              <a:t>( </a:t>
+            </a:r>
+            <a:r>
+              <a:rPr lang="zh-CN" altLang="en-US" sz="3733" b="1" dirty="0">
+                <a:solidFill>
+                  <a:srgbClr val="660033"/>
+                </a:solidFill>
+                <a:latin typeface="Microsoft JhengHei" panose="020B0604030504040204" pitchFamily="34" charset="-120"/>
+                <a:ea typeface="Microsoft JhengHei" panose="020B0604030504040204" pitchFamily="34" charset="-120"/>
+              </a:rPr>
+              <a:t>副</a:t>
+            </a:r>
+            <a:r>
+              <a:rPr lang="en-US" sz="3733" b="1" dirty="0">
+                <a:solidFill>
+                  <a:srgbClr val="660033"/>
+                </a:solidFill>
+                <a:latin typeface="Microsoft JhengHei" panose="020B0604030504040204" pitchFamily="34" charset="-120"/>
+                <a:ea typeface="Microsoft JhengHei" panose="020B0604030504040204" pitchFamily="34" charset="-120"/>
+              </a:rPr>
+              <a:t> )</a:t>
+            </a:r>
+            <a:endParaRPr lang="vi-VN" sz="3733" b="1" dirty="0">
+              <a:solidFill>
+                <a:srgbClr val="660033"/>
+              </a:solidFill>
+              <a:ea typeface="Microsoft JhengHei" panose="020B0604030504040204" pitchFamily="34" charset="-120"/>
+            </a:endParaRPr>
+          </a:p>
+        </p:txBody>
+      </p:sp>
+    </p:spTree>
+    <p:extLst>
+      <p:ext uri="{BB962C8B-B14F-4D97-AF65-F5344CB8AC3E}">
+        <p14:creationId xmlns:p14="http://schemas.microsoft.com/office/powerpoint/2010/main" val="1537410853"/>
+      </p:ext>
+    </p:extLst>
+  </p:cSld>
+  <p:clrMapOvr>
+    <a:masterClrMapping/>
+  </p:clrMapOvr>
+</p:sld>
+</file>
+
+<file path=ppt/slides/slide9.xml><?xml version="1.0" encoding="utf-8"?>
+<p:sld xmlns:a="http://schemas.openxmlformats.org/drawingml/2006/main" xmlns:r="http://schemas.openxmlformats.org/officeDocument/2006/relationships" xmlns:p="http://schemas.openxmlformats.org/presentationml/2006/main">
+  <p:cSld>
+    <p:spTree>
+      <p:nvGrpSpPr>
+        <p:cNvPr id="1" name=""/>
+        <p:cNvGrpSpPr/>
+        <p:nvPr/>
+      </p:nvGrpSpPr>
+      <p:grpSpPr>
+        <a:xfrm>
+          <a:off x="0" y="0"/>
+          <a:ext cx="0" cy="0"/>
+          <a:chOff x="0" y="0"/>
+          <a:chExt cx="0" cy="0"/>
+        </a:xfrm>
+      </p:grpSpPr>
+      <p:sp>
+        <p:nvSpPr>
+          <p:cNvPr id="5" name="內容版面配置區 4"/>
+          <p:cNvSpPr>
+            <a:spLocks noGrp="1"/>
+          </p:cNvSpPr>
+          <p:nvPr>
+            <p:ph idx="1"/>
+          </p:nvPr>
+        </p:nvSpPr>
+        <p:spPr>
+          <a:xfrm>
+            <a:off x="0" y="2084851"/>
+            <a:ext cx="12192000" cy="2404863"/>
+          </a:xfrm>
+        </p:spPr>
+        <p:txBody>
+          <a:bodyPr anchor="ctr">
+            <a:normAutofit/>
+          </a:bodyPr>
+          <a:lstStyle/>
+          <a:p>
+            <a:pPr marL="0" indent="0" algn="ctr">
+              <a:buNone/>
+            </a:pPr>
+            <a:r>
+              <a:rPr lang="zh-TW" altLang="en-US" sz="6400" b="1" dirty="0">
+                <a:solidFill>
+                  <a:srgbClr val="660033"/>
+                </a:solidFill>
+                <a:latin typeface="微軟正黑體" pitchFamily="34" charset="-120"/>
+                <a:ea typeface="微軟正黑體" pitchFamily="34" charset="-120"/>
+              </a:rPr>
+              <a:t>我的主  我的王</a:t>
+            </a:r>
+            <a:endParaRPr lang="en-US" altLang="zh-TW" sz="6400" b="1" dirty="0">
+              <a:solidFill>
+                <a:srgbClr val="660033"/>
+              </a:solidFill>
+              <a:latin typeface="微軟正黑體" pitchFamily="34" charset="-120"/>
+              <a:ea typeface="微軟正黑體" pitchFamily="34" charset="-120"/>
+            </a:endParaRPr>
+          </a:p>
+        </p:txBody>
+      </p:sp>
+      <p:sp>
+        <p:nvSpPr>
+          <p:cNvPr id="3" name="TextBox 2"/>
+          <p:cNvSpPr txBox="1"/>
+          <p:nvPr/>
+        </p:nvSpPr>
+        <p:spPr>
+          <a:xfrm>
+            <a:off x="0" y="5157192"/>
+            <a:ext cx="12192000" cy="666786"/>
+          </a:xfrm>
+          <a:prstGeom prst="rect">
+            <a:avLst/>
+          </a:prstGeom>
+          <a:noFill/>
+        </p:spPr>
+        <p:txBody>
+          <a:bodyPr wrap="square" rtlCol="0">
+            <a:spAutoFit/>
+          </a:bodyPr>
+          <a:lstStyle/>
+          <a:p>
+            <a:pPr algn="ctr"/>
+            <a:r>
+              <a:rPr lang="en-US" sz="3733" b="1" dirty="0">
+                <a:solidFill>
+                  <a:srgbClr val="660033"/>
+                </a:solidFill>
+                <a:latin typeface="Microsoft JhengHei" panose="020B0604030504040204" pitchFamily="34" charset="-120"/>
+                <a:ea typeface="Microsoft JhengHei" panose="020B0604030504040204" pitchFamily="34" charset="-120"/>
+              </a:rPr>
+              <a:t>( </a:t>
+            </a:r>
+            <a:r>
+              <a:rPr lang="zh-CN" altLang="en-US" sz="3733" b="1" dirty="0">
+                <a:solidFill>
+                  <a:srgbClr val="660033"/>
+                </a:solidFill>
+                <a:latin typeface="Microsoft JhengHei" panose="020B0604030504040204" pitchFamily="34" charset="-120"/>
+                <a:ea typeface="Microsoft JhengHei" panose="020B0604030504040204" pitchFamily="34" charset="-120"/>
+              </a:rPr>
+              <a:t>副</a:t>
+            </a:r>
+            <a:r>
+              <a:rPr lang="en-US" sz="3733" b="1" dirty="0">
+                <a:solidFill>
+                  <a:srgbClr val="660033"/>
+                </a:solidFill>
+                <a:latin typeface="Microsoft JhengHei" panose="020B0604030504040204" pitchFamily="34" charset="-120"/>
+                <a:ea typeface="Microsoft JhengHei" panose="020B0604030504040204" pitchFamily="34" charset="-120"/>
+              </a:rPr>
+              <a:t> )</a:t>
+            </a:r>
+            <a:endParaRPr lang="vi-VN" sz="3733" b="1" dirty="0">
+              <a:solidFill>
+                <a:srgbClr val="660033"/>
+              </a:solidFill>
+              <a:ea typeface="Microsoft JhengHei" panose="020B0604030504040204" pitchFamily="34" charset="-120"/>
+            </a:endParaRPr>
+          </a:p>
+        </p:txBody>
+      </p:sp>
+    </p:spTree>
+    <p:extLst>
+      <p:ext uri="{BB962C8B-B14F-4D97-AF65-F5344CB8AC3E}">
+        <p14:creationId xmlns:p14="http://schemas.microsoft.com/office/powerpoint/2010/main" val="1981173401"/>
       </p:ext>
     </p:extLst>
   </p:cSld>
